--- a/Documentation/Software Dependability SWD Project Presentation.pptx
+++ b/Documentation/Software Dependability SWD Project Presentation.pptx
@@ -25425,6 +25425,53 @@
           </a:p>
         </p:txBody>
       </p:sp>
+      <p:pic>
+        <p:nvPicPr>
+          <p:cNvPr id="1026" name="Picture 2" descr="A Quick Guide to OWASP-ZAP">
+            <a:extLst>
+              <a:ext uri="{FF2B5EF4-FFF2-40B4-BE49-F238E27FC236}">
+                <a16:creationId xmlns:a16="http://schemas.microsoft.com/office/drawing/2014/main" id="{1248A534-1D78-4F22-8E20-CC87E28231DE}"/>
+              </a:ext>
+            </a:extLst>
+          </p:cNvPr>
+          <p:cNvPicPr>
+            <a:picLocks noChangeAspect="1" noChangeArrowheads="1"/>
+          </p:cNvPicPr>
+          <p:nvPr/>
+        </p:nvPicPr>
+        <p:blipFill>
+          <a:blip r:embed="rId4">
+            <a:extLst>
+              <a:ext uri="{28A0092B-C50C-407E-A947-70E740481C1C}">
+                <a14:useLocalDpi xmlns:a14="http://schemas.microsoft.com/office/drawing/2010/main" val="0"/>
+              </a:ext>
+            </a:extLst>
+          </a:blip>
+          <a:srcRect/>
+          <a:stretch>
+            <a:fillRect/>
+          </a:stretch>
+        </p:blipFill>
+        <p:spPr bwMode="auto">
+          <a:xfrm>
+            <a:off x="5717468" y="253142"/>
+            <a:ext cx="5283467" cy="1273569"/>
+          </a:xfrm>
+          <a:prstGeom prst="rect">
+            <a:avLst/>
+          </a:prstGeom>
+          <a:noFill/>
+          <a:extLst>
+            <a:ext uri="{909E8E84-426E-40DD-AFC4-6F175D3DCCD1}">
+              <a14:hiddenFill xmlns:a14="http://schemas.microsoft.com/office/drawing/2010/main">
+                <a:solidFill>
+                  <a:srgbClr val="FFFFFF"/>
+                </a:solidFill>
+              </a14:hiddenFill>
+            </a:ext>
+          </a:extLst>
+        </p:spPr>
+      </p:pic>
     </p:spTree>
     <p:extLst>
       <p:ext uri="{BB962C8B-B14F-4D97-AF65-F5344CB8AC3E}">
@@ -25832,6 +25879,25 @@
             <a:normAutofit/>
           </a:bodyPr>
           <a:lstStyle/>
+          <a:p>
+            <a:endParaRPr lang="en-US" sz="2000" dirty="0">
+              <a:solidFill>
+                <a:srgbClr val="FFFFFF"/>
+              </a:solidFill>
+              <a:effectLst/>
+              <a:ea typeface="Times New Roman" panose="02020603050405020304" pitchFamily="18" charset="0"/>
+              <a:cs typeface="Times New Roman" panose="02020603050405020304" pitchFamily="18" charset="0"/>
+            </a:endParaRPr>
+          </a:p>
+          <a:p>
+            <a:endParaRPr lang="en-US" sz="2000" dirty="0">
+              <a:solidFill>
+                <a:srgbClr val="FFFFFF"/>
+              </a:solidFill>
+              <a:ea typeface="Times New Roman" panose="02020603050405020304" pitchFamily="18" charset="0"/>
+              <a:cs typeface="Times New Roman" panose="02020603050405020304" pitchFamily="18" charset="0"/>
+            </a:endParaRPr>
+          </a:p>
           <a:p>
             <a:r>
               <a:rPr lang="en-US" sz="2000" dirty="0">
@@ -25913,6 +25979,53 @@
           </a:p>
         </p:txBody>
       </p:sp>
+      <p:pic>
+        <p:nvPicPr>
+          <p:cNvPr id="2050" name="Picture 2" descr="What is OWASP, and why it matters for AppSec | CSO Online">
+            <a:extLst>
+              <a:ext uri="{FF2B5EF4-FFF2-40B4-BE49-F238E27FC236}">
+                <a16:creationId xmlns:a16="http://schemas.microsoft.com/office/drawing/2014/main" id="{67A9225A-ACBF-4C05-AC07-05AEC656AB43}"/>
+              </a:ext>
+            </a:extLst>
+          </p:cNvPr>
+          <p:cNvPicPr>
+            <a:picLocks noChangeAspect="1" noChangeArrowheads="1"/>
+          </p:cNvPicPr>
+          <p:nvPr/>
+        </p:nvPicPr>
+        <p:blipFill>
+          <a:blip r:embed="rId4">
+            <a:extLst>
+              <a:ext uri="{28A0092B-C50C-407E-A947-70E740481C1C}">
+                <a14:useLocalDpi xmlns:a14="http://schemas.microsoft.com/office/drawing/2010/main" val="0"/>
+              </a:ext>
+            </a:extLst>
+          </a:blip>
+          <a:srcRect/>
+          <a:stretch>
+            <a:fillRect/>
+          </a:stretch>
+        </p:blipFill>
+        <p:spPr bwMode="auto">
+          <a:xfrm>
+            <a:off x="5486401" y="454277"/>
+            <a:ext cx="5486400" cy="1509999"/>
+          </a:xfrm>
+          <a:prstGeom prst="rect">
+            <a:avLst/>
+          </a:prstGeom>
+          <a:noFill/>
+          <a:extLst>
+            <a:ext uri="{909E8E84-426E-40DD-AFC4-6F175D3DCCD1}">
+              <a14:hiddenFill xmlns:a14="http://schemas.microsoft.com/office/drawing/2010/main">
+                <a:solidFill>
+                  <a:srgbClr val="FFFFFF"/>
+                </a:solidFill>
+              </a14:hiddenFill>
+            </a:ext>
+          </a:extLst>
+        </p:spPr>
+      </p:pic>
     </p:spTree>
     <p:extLst>
       <p:ext uri="{BB962C8B-B14F-4D97-AF65-F5344CB8AC3E}">

--- a/Documentation/Software Dependability SWD Project Presentation.pptx
+++ b/Documentation/Software Dependability SWD Project Presentation.pptx
@@ -4930,6 +4930,13 @@
         </dgm:presLayoutVars>
       </dgm:prSet>
       <dgm:spPr/>
+      <dgm:t>
+        <a:bodyPr/>
+        <a:lstStyle/>
+        <a:p>
+          <a:endParaRPr lang="en-US"/>
+        </a:p>
+      </dgm:t>
     </dgm:pt>
     <dgm:pt modelId="{9FD13B39-F3F0-4D9A-ABC9-5E2021CE13DF}" type="pres">
       <dgm:prSet presAssocID="{E73C7DEE-59C1-4AE8-8147-C4CD811D30FC}" presName="parentText" presStyleLbl="node1" presStyleIdx="0" presStyleCnt="2">
@@ -4939,6 +4946,13 @@
         </dgm:presLayoutVars>
       </dgm:prSet>
       <dgm:spPr/>
+      <dgm:t>
+        <a:bodyPr/>
+        <a:lstStyle/>
+        <a:p>
+          <a:endParaRPr lang="en-US"/>
+        </a:p>
+      </dgm:t>
     </dgm:pt>
     <dgm:pt modelId="{6D96CD9D-DED1-483B-A50B-3D8E798655E7}" type="pres">
       <dgm:prSet presAssocID="{0E422B76-B81B-4232-A301-12FDBB2E77C7}" presName="spacer" presStyleCnt="0"/>
@@ -4952,14 +4966,21 @@
         </dgm:presLayoutVars>
       </dgm:prSet>
       <dgm:spPr/>
+      <dgm:t>
+        <a:bodyPr/>
+        <a:lstStyle/>
+        <a:p>
+          <a:endParaRPr lang="en-US"/>
+        </a:p>
+      </dgm:t>
     </dgm:pt>
   </dgm:ptLst>
   <dgm:cxnLst>
     <dgm:cxn modelId="{F0CC210C-AE75-4302-A02F-B96752317999}" type="presOf" srcId="{E73C7DEE-59C1-4AE8-8147-C4CD811D30FC}" destId="{9FD13B39-F3F0-4D9A-ABC9-5E2021CE13DF}" srcOrd="0" destOrd="0" presId="urn:microsoft.com/office/officeart/2005/8/layout/vList2"/>
+    <dgm:cxn modelId="{C4CC3CE0-B239-488E-B6ED-231C9F7ECED0}" srcId="{7E36F3E0-0B57-47F2-8736-A9212EE84113}" destId="{14B31A05-F813-4945-A6BA-78FD2820F67E}" srcOrd="1" destOrd="0" parTransId="{86729A0F-F4AC-41FA-96CD-CF555FA6CE5A}" sibTransId="{B1F417AC-7A2B-4256-ABDC-D4EF1C10F587}"/>
     <dgm:cxn modelId="{34225E70-2F14-4C7F-B6F6-79E32747D533}" srcId="{7E36F3E0-0B57-47F2-8736-A9212EE84113}" destId="{E73C7DEE-59C1-4AE8-8147-C4CD811D30FC}" srcOrd="0" destOrd="0" parTransId="{26644E35-2424-45AD-AC49-4445F1340148}" sibTransId="{0E422B76-B81B-4232-A301-12FDBB2E77C7}"/>
+    <dgm:cxn modelId="{6E0A6EEA-5600-4EF2-8F68-50F00F6B5CAA}" type="presOf" srcId="{14B31A05-F813-4945-A6BA-78FD2820F67E}" destId="{BF0D4516-1117-47F7-A9FA-17B7DE16F260}" srcOrd="0" destOrd="0" presId="urn:microsoft.com/office/officeart/2005/8/layout/vList2"/>
     <dgm:cxn modelId="{19019473-0074-4651-B7CF-D37636829273}" type="presOf" srcId="{7E36F3E0-0B57-47F2-8736-A9212EE84113}" destId="{591EF951-DFA7-4DA8-A37E-BE4DBCCC7A49}" srcOrd="0" destOrd="0" presId="urn:microsoft.com/office/officeart/2005/8/layout/vList2"/>
-    <dgm:cxn modelId="{C4CC3CE0-B239-488E-B6ED-231C9F7ECED0}" srcId="{7E36F3E0-0B57-47F2-8736-A9212EE84113}" destId="{14B31A05-F813-4945-A6BA-78FD2820F67E}" srcOrd="1" destOrd="0" parTransId="{86729A0F-F4AC-41FA-96CD-CF555FA6CE5A}" sibTransId="{B1F417AC-7A2B-4256-ABDC-D4EF1C10F587}"/>
-    <dgm:cxn modelId="{6E0A6EEA-5600-4EF2-8F68-50F00F6B5CAA}" type="presOf" srcId="{14B31A05-F813-4945-A6BA-78FD2820F67E}" destId="{BF0D4516-1117-47F7-A9FA-17B7DE16F260}" srcOrd="0" destOrd="0" presId="urn:microsoft.com/office/officeart/2005/8/layout/vList2"/>
     <dgm:cxn modelId="{F46DFCC2-B82B-47B7-9A34-2B1E1856AC1C}" type="presParOf" srcId="{591EF951-DFA7-4DA8-A37E-BE4DBCCC7A49}" destId="{9FD13B39-F3F0-4D9A-ABC9-5E2021CE13DF}" srcOrd="0" destOrd="0" presId="urn:microsoft.com/office/officeart/2005/8/layout/vList2"/>
     <dgm:cxn modelId="{BDD3F0ED-8E2A-4D61-BC4D-BD7FA08F1797}" type="presParOf" srcId="{591EF951-DFA7-4DA8-A37E-BE4DBCCC7A49}" destId="{6D96CD9D-DED1-483B-A50B-3D8E798655E7}" srcOrd="1" destOrd="0" presId="urn:microsoft.com/office/officeart/2005/8/layout/vList2"/>
     <dgm:cxn modelId="{41ED5C07-DA78-4492-8F31-698BFB9ECE08}" type="presParOf" srcId="{591EF951-DFA7-4DA8-A37E-BE4DBCCC7A49}" destId="{BF0D4516-1117-47F7-A9FA-17B7DE16F260}" srcOrd="2" destOrd="0" presId="urn:microsoft.com/office/officeart/2005/8/layout/vList2"/>
@@ -5140,6 +5161,13 @@
         </dgm:presLayoutVars>
       </dgm:prSet>
       <dgm:spPr/>
+      <dgm:t>
+        <a:bodyPr/>
+        <a:lstStyle/>
+        <a:p>
+          <a:endParaRPr lang="en-US"/>
+        </a:p>
+      </dgm:t>
     </dgm:pt>
     <dgm:pt modelId="{EB4E3679-34E5-4571-AC2A-93663DF4A589}" type="pres">
       <dgm:prSet presAssocID="{0B8175D6-3071-4E34-89B1-25C6EEA5BA76}" presName="parentText" presStyleLbl="node1" presStyleIdx="0" presStyleCnt="4">
@@ -5149,6 +5177,13 @@
         </dgm:presLayoutVars>
       </dgm:prSet>
       <dgm:spPr/>
+      <dgm:t>
+        <a:bodyPr/>
+        <a:lstStyle/>
+        <a:p>
+          <a:endParaRPr lang="en-US"/>
+        </a:p>
+      </dgm:t>
     </dgm:pt>
     <dgm:pt modelId="{6483EF1D-E7F6-45EC-A610-2EE6AF63B6A4}" type="pres">
       <dgm:prSet presAssocID="{BF91523E-F14B-4118-92D6-BFD8803CC490}" presName="spacer" presStyleCnt="0"/>
@@ -5162,6 +5197,13 @@
         </dgm:presLayoutVars>
       </dgm:prSet>
       <dgm:spPr/>
+      <dgm:t>
+        <a:bodyPr/>
+        <a:lstStyle/>
+        <a:p>
+          <a:endParaRPr lang="en-US"/>
+        </a:p>
+      </dgm:t>
     </dgm:pt>
     <dgm:pt modelId="{C6931677-D9A1-4F2D-B6A1-53296179E4FB}" type="pres">
       <dgm:prSet presAssocID="{4A8E95CD-7331-4A43-A534-B9616BA2EE5E}" presName="spacer" presStyleCnt="0"/>
@@ -5175,6 +5217,13 @@
         </dgm:presLayoutVars>
       </dgm:prSet>
       <dgm:spPr/>
+      <dgm:t>
+        <a:bodyPr/>
+        <a:lstStyle/>
+        <a:p>
+          <a:endParaRPr lang="en-US"/>
+        </a:p>
+      </dgm:t>
     </dgm:pt>
     <dgm:pt modelId="{E095B457-1165-4D12-866E-089FD1027A89}" type="pres">
       <dgm:prSet presAssocID="{9879FF7F-73DA-4E01-9C93-EF10CB76C904}" presName="spacer" presStyleCnt="0"/>
@@ -5188,18 +5237,25 @@
         </dgm:presLayoutVars>
       </dgm:prSet>
       <dgm:spPr/>
+      <dgm:t>
+        <a:bodyPr/>
+        <a:lstStyle/>
+        <a:p>
+          <a:endParaRPr lang="en-US"/>
+        </a:p>
+      </dgm:t>
     </dgm:pt>
   </dgm:ptLst>
   <dgm:cxnLst>
+    <dgm:cxn modelId="{905F8D98-012F-460B-9B23-E265F74009E7}" type="presOf" srcId="{E4419DC9-548E-40C3-9FD4-7A0CF595C847}" destId="{7F6F1928-9285-4EBA-8793-84BAA4B18428}" srcOrd="0" destOrd="0" presId="urn:microsoft.com/office/officeart/2005/8/layout/vList2"/>
+    <dgm:cxn modelId="{82AF6319-26AA-4F89-8A2A-17EC6982A499}" srcId="{88D9AB7F-9977-41A2-8C96-3541C103E61D}" destId="{0B8175D6-3071-4E34-89B1-25C6EEA5BA76}" srcOrd="0" destOrd="0" parTransId="{BAAC0415-044E-4F9E-AB83-4CE53827FA20}" sibTransId="{BF91523E-F14B-4118-92D6-BFD8803CC490}"/>
     <dgm:cxn modelId="{F403D410-CCFD-4FEF-AC3F-D98AFFC61DB6}" type="presOf" srcId="{0B8175D6-3071-4E34-89B1-25C6EEA5BA76}" destId="{EB4E3679-34E5-4571-AC2A-93663DF4A589}" srcOrd="0" destOrd="0" presId="urn:microsoft.com/office/officeart/2005/8/layout/vList2"/>
-    <dgm:cxn modelId="{82AF6319-26AA-4F89-8A2A-17EC6982A499}" srcId="{88D9AB7F-9977-41A2-8C96-3541C103E61D}" destId="{0B8175D6-3071-4E34-89B1-25C6EEA5BA76}" srcOrd="0" destOrd="0" parTransId="{BAAC0415-044E-4F9E-AB83-4CE53827FA20}" sibTransId="{BF91523E-F14B-4118-92D6-BFD8803CC490}"/>
+    <dgm:cxn modelId="{ACF71A71-8623-4DF6-A45A-384258B89AE3}" type="presOf" srcId="{C6073CD2-FB90-4C1E-994E-1A28A4CE26F3}" destId="{2EFA0E22-756B-4119-AA7C-5DAC06963FC7}" srcOrd="0" destOrd="0" presId="urn:microsoft.com/office/officeart/2005/8/layout/vList2"/>
     <dgm:cxn modelId="{57233F63-517C-4F2C-94F2-DB42ED63783A}" type="presOf" srcId="{D41D78A0-0CAA-44F7-B11B-FD14FCDEEA45}" destId="{668B7157-6216-41A4-B491-EB0CBC0F814B}" srcOrd="0" destOrd="0" presId="urn:microsoft.com/office/officeart/2005/8/layout/vList2"/>
+    <dgm:cxn modelId="{C2DC5C45-33B9-42FE-8795-80B98A56789A}" type="presOf" srcId="{88D9AB7F-9977-41A2-8C96-3541C103E61D}" destId="{33E7A1BB-3380-420D-9827-1083DC13B4C4}" srcOrd="0" destOrd="0" presId="urn:microsoft.com/office/officeart/2005/8/layout/vList2"/>
+    <dgm:cxn modelId="{0DBE8678-DBFA-443B-8740-3AB59AD4006A}" srcId="{88D9AB7F-9977-41A2-8C96-3541C103E61D}" destId="{D41D78A0-0CAA-44F7-B11B-FD14FCDEEA45}" srcOrd="1" destOrd="0" parTransId="{99A5D9CD-AB25-45B5-B7ED-A4838CA65471}" sibTransId="{4A8E95CD-7331-4A43-A534-B9616BA2EE5E}"/>
+    <dgm:cxn modelId="{D3A48F6B-3F78-4B20-8E9E-7F2C87404A75}" srcId="{88D9AB7F-9977-41A2-8C96-3541C103E61D}" destId="{E4419DC9-548E-40C3-9FD4-7A0CF595C847}" srcOrd="3" destOrd="0" parTransId="{377EFF95-9710-401A-8244-C737F7416BCE}" sibTransId="{2C711230-EFA2-4F15-A9D3-2045CB538451}"/>
     <dgm:cxn modelId="{7D7B7E44-0097-45E3-AE19-B55835F18797}" srcId="{88D9AB7F-9977-41A2-8C96-3541C103E61D}" destId="{C6073CD2-FB90-4C1E-994E-1A28A4CE26F3}" srcOrd="2" destOrd="0" parTransId="{FBFD394D-1685-4DA4-B463-B1C03E55A204}" sibTransId="{9879FF7F-73DA-4E01-9C93-EF10CB76C904}"/>
-    <dgm:cxn modelId="{C2DC5C45-33B9-42FE-8795-80B98A56789A}" type="presOf" srcId="{88D9AB7F-9977-41A2-8C96-3541C103E61D}" destId="{33E7A1BB-3380-420D-9827-1083DC13B4C4}" srcOrd="0" destOrd="0" presId="urn:microsoft.com/office/officeart/2005/8/layout/vList2"/>
-    <dgm:cxn modelId="{D3A48F6B-3F78-4B20-8E9E-7F2C87404A75}" srcId="{88D9AB7F-9977-41A2-8C96-3541C103E61D}" destId="{E4419DC9-548E-40C3-9FD4-7A0CF595C847}" srcOrd="3" destOrd="0" parTransId="{377EFF95-9710-401A-8244-C737F7416BCE}" sibTransId="{2C711230-EFA2-4F15-A9D3-2045CB538451}"/>
-    <dgm:cxn modelId="{ACF71A71-8623-4DF6-A45A-384258B89AE3}" type="presOf" srcId="{C6073CD2-FB90-4C1E-994E-1A28A4CE26F3}" destId="{2EFA0E22-756B-4119-AA7C-5DAC06963FC7}" srcOrd="0" destOrd="0" presId="urn:microsoft.com/office/officeart/2005/8/layout/vList2"/>
-    <dgm:cxn modelId="{0DBE8678-DBFA-443B-8740-3AB59AD4006A}" srcId="{88D9AB7F-9977-41A2-8C96-3541C103E61D}" destId="{D41D78A0-0CAA-44F7-B11B-FD14FCDEEA45}" srcOrd="1" destOrd="0" parTransId="{99A5D9CD-AB25-45B5-B7ED-A4838CA65471}" sibTransId="{4A8E95CD-7331-4A43-A534-B9616BA2EE5E}"/>
-    <dgm:cxn modelId="{905F8D98-012F-460B-9B23-E265F74009E7}" type="presOf" srcId="{E4419DC9-548E-40C3-9FD4-7A0CF595C847}" destId="{7F6F1928-9285-4EBA-8793-84BAA4B18428}" srcOrd="0" destOrd="0" presId="urn:microsoft.com/office/officeart/2005/8/layout/vList2"/>
     <dgm:cxn modelId="{53560922-12AE-4FF0-93E4-2E2D74153BEE}" type="presParOf" srcId="{33E7A1BB-3380-420D-9827-1083DC13B4C4}" destId="{EB4E3679-34E5-4571-AC2A-93663DF4A589}" srcOrd="0" destOrd="0" presId="urn:microsoft.com/office/officeart/2005/8/layout/vList2"/>
     <dgm:cxn modelId="{ECDA43F2-21FA-4281-913F-60E31E94BE89}" type="presParOf" srcId="{33E7A1BB-3380-420D-9827-1083DC13B4C4}" destId="{6483EF1D-E7F6-45EC-A610-2EE6AF63B6A4}" srcOrd="1" destOrd="0" presId="urn:microsoft.com/office/officeart/2005/8/layout/vList2"/>
     <dgm:cxn modelId="{C7293E3B-5DC8-475D-B32D-5D013922A172}" type="presParOf" srcId="{33E7A1BB-3380-420D-9827-1083DC13B4C4}" destId="{668B7157-6216-41A4-B491-EB0CBC0F814B}" srcOrd="2" destOrd="0" presId="urn:microsoft.com/office/officeart/2005/8/layout/vList2"/>
@@ -5348,6 +5404,13 @@
         </dgm:presLayoutVars>
       </dgm:prSet>
       <dgm:spPr/>
+      <dgm:t>
+        <a:bodyPr/>
+        <a:lstStyle/>
+        <a:p>
+          <a:endParaRPr lang="en-US"/>
+        </a:p>
+      </dgm:t>
     </dgm:pt>
     <dgm:pt modelId="{90426A59-4CF8-4D13-94AF-F67EC84BB8F1}" type="pres">
       <dgm:prSet presAssocID="{FB9D6E19-2F46-4999-A92F-B7D6FC8E6028}" presName="parentText" presStyleLbl="node1" presStyleIdx="0" presStyleCnt="1">
@@ -5357,6 +5420,13 @@
         </dgm:presLayoutVars>
       </dgm:prSet>
       <dgm:spPr/>
+      <dgm:t>
+        <a:bodyPr/>
+        <a:lstStyle/>
+        <a:p>
+          <a:endParaRPr lang="en-US"/>
+        </a:p>
+      </dgm:t>
     </dgm:pt>
     <dgm:pt modelId="{ABC40981-693E-4FAA-A483-EF08856C177E}" type="pres">
       <dgm:prSet presAssocID="{FB9D6E19-2F46-4999-A92F-B7D6FC8E6028}" presName="childText" presStyleLbl="revTx" presStyleIdx="0" presStyleCnt="1">
@@ -5365,16 +5435,23 @@
         </dgm:presLayoutVars>
       </dgm:prSet>
       <dgm:spPr/>
+      <dgm:t>
+        <a:bodyPr/>
+        <a:lstStyle/>
+        <a:p>
+          <a:endParaRPr lang="en-US"/>
+        </a:p>
+      </dgm:t>
     </dgm:pt>
   </dgm:ptLst>
   <dgm:cxnLst>
+    <dgm:cxn modelId="{728DEC53-D4AB-46F9-9809-62844A4248D0}" type="presOf" srcId="{518EDC08-97B5-44BC-B1AE-CD73325D0079}" destId="{ABC40981-693E-4FAA-A483-EF08856C177E}" srcOrd="0" destOrd="1" presId="urn:microsoft.com/office/officeart/2005/8/layout/vList2"/>
+    <dgm:cxn modelId="{872BA265-B000-4E71-8795-E32C2E66ED1C}" srcId="{06C3A5F2-FCF0-421F-BB22-A5B3B7DE0C84}" destId="{FB9D6E19-2F46-4999-A92F-B7D6FC8E6028}" srcOrd="0" destOrd="0" parTransId="{7A1FBF13-84B9-49FA-A9D3-80552B413AC4}" sibTransId="{08D4AD3C-7522-44D7-A910-5D7AB963893F}"/>
+    <dgm:cxn modelId="{1284BF7F-F5B2-4C4E-BFD5-AC2078207A62}" type="presOf" srcId="{C4D89948-DB35-4AA4-83B2-E87478D56ACC}" destId="{ABC40981-693E-4FAA-A483-EF08856C177E}" srcOrd="0" destOrd="0" presId="urn:microsoft.com/office/officeart/2005/8/layout/vList2"/>
     <dgm:cxn modelId="{301C7618-2345-43E5-BD52-754A7EAC958A}" type="presOf" srcId="{06C3A5F2-FCF0-421F-BB22-A5B3B7DE0C84}" destId="{26D0A122-9E53-4BF6-A72A-61E60E747B2E}" srcOrd="0" destOrd="0" presId="urn:microsoft.com/office/officeart/2005/8/layout/vList2"/>
+    <dgm:cxn modelId="{0B24E0D1-0060-494F-B51D-A534BCCBAE5C}" type="presOf" srcId="{FB9D6E19-2F46-4999-A92F-B7D6FC8E6028}" destId="{90426A59-4CF8-4D13-94AF-F67EC84BB8F1}" srcOrd="0" destOrd="0" presId="urn:microsoft.com/office/officeart/2005/8/layout/vList2"/>
     <dgm:cxn modelId="{A8B3B118-EE11-43AC-AE11-E3E671739B92}" srcId="{FB9D6E19-2F46-4999-A92F-B7D6FC8E6028}" destId="{C4D89948-DB35-4AA4-83B2-E87478D56ACC}" srcOrd="0" destOrd="0" parTransId="{51CC37D4-177A-4BDA-B392-F0C788C807A6}" sibTransId="{FFCC7D49-3DC4-477D-8E99-D7B45C343D4A}"/>
     <dgm:cxn modelId="{35569F3E-668A-421D-AD9C-B8B3071980F4}" srcId="{FB9D6E19-2F46-4999-A92F-B7D6FC8E6028}" destId="{518EDC08-97B5-44BC-B1AE-CD73325D0079}" srcOrd="1" destOrd="0" parTransId="{12489E68-BB04-404B-8593-8E3CA235C62F}" sibTransId="{A2244114-30C8-4FCE-B47F-C153BF296E07}"/>
-    <dgm:cxn modelId="{872BA265-B000-4E71-8795-E32C2E66ED1C}" srcId="{06C3A5F2-FCF0-421F-BB22-A5B3B7DE0C84}" destId="{FB9D6E19-2F46-4999-A92F-B7D6FC8E6028}" srcOrd="0" destOrd="0" parTransId="{7A1FBF13-84B9-49FA-A9D3-80552B413AC4}" sibTransId="{08D4AD3C-7522-44D7-A910-5D7AB963893F}"/>
-    <dgm:cxn modelId="{728DEC53-D4AB-46F9-9809-62844A4248D0}" type="presOf" srcId="{518EDC08-97B5-44BC-B1AE-CD73325D0079}" destId="{ABC40981-693E-4FAA-A483-EF08856C177E}" srcOrd="0" destOrd="1" presId="urn:microsoft.com/office/officeart/2005/8/layout/vList2"/>
-    <dgm:cxn modelId="{1284BF7F-F5B2-4C4E-BFD5-AC2078207A62}" type="presOf" srcId="{C4D89948-DB35-4AA4-83B2-E87478D56ACC}" destId="{ABC40981-693E-4FAA-A483-EF08856C177E}" srcOrd="0" destOrd="0" presId="urn:microsoft.com/office/officeart/2005/8/layout/vList2"/>
-    <dgm:cxn modelId="{0B24E0D1-0060-494F-B51D-A534BCCBAE5C}" type="presOf" srcId="{FB9D6E19-2F46-4999-A92F-B7D6FC8E6028}" destId="{90426A59-4CF8-4D13-94AF-F67EC84BB8F1}" srcOrd="0" destOrd="0" presId="urn:microsoft.com/office/officeart/2005/8/layout/vList2"/>
     <dgm:cxn modelId="{D18C88AA-CB2D-4231-8049-258B09FC7FC0}" type="presParOf" srcId="{26D0A122-9E53-4BF6-A72A-61E60E747B2E}" destId="{90426A59-4CF8-4D13-94AF-F67EC84BB8F1}" srcOrd="0" destOrd="0" presId="urn:microsoft.com/office/officeart/2005/8/layout/vList2"/>
     <dgm:cxn modelId="{4A0A5614-FAEE-429B-A051-2CC207EEC679}" type="presParOf" srcId="{26D0A122-9E53-4BF6-A72A-61E60E747B2E}" destId="{ABC40981-693E-4FAA-A483-EF08856C177E}" srcOrd="1" destOrd="0" presId="urn:microsoft.com/office/officeart/2005/8/layout/vList2"/>
   </dgm:cxnLst>
@@ -5486,6 +5563,13 @@
         </dgm:presLayoutVars>
       </dgm:prSet>
       <dgm:spPr/>
+      <dgm:t>
+        <a:bodyPr/>
+        <a:lstStyle/>
+        <a:p>
+          <a:endParaRPr lang="en-US"/>
+        </a:p>
+      </dgm:t>
     </dgm:pt>
     <dgm:pt modelId="{A7F8BB70-2FBE-4851-BA21-C4EC20873D09}" type="pres">
       <dgm:prSet presAssocID="{C0FF5843-C23E-41A3-91AE-32FB4C530130}" presName="parentText" presStyleLbl="node1" presStyleIdx="0" presStyleCnt="2">
@@ -5495,6 +5579,13 @@
         </dgm:presLayoutVars>
       </dgm:prSet>
       <dgm:spPr/>
+      <dgm:t>
+        <a:bodyPr/>
+        <a:lstStyle/>
+        <a:p>
+          <a:endParaRPr lang="en-US"/>
+        </a:p>
+      </dgm:t>
     </dgm:pt>
     <dgm:pt modelId="{C451E2EB-C181-4C84-A2DE-FF6F8416E167}" type="pres">
       <dgm:prSet presAssocID="{74ACC2D3-75D8-408A-8AB6-26FE8D28444C}" presName="spacer" presStyleCnt="0"/>
@@ -5508,14 +5599,21 @@
         </dgm:presLayoutVars>
       </dgm:prSet>
       <dgm:spPr/>
+      <dgm:t>
+        <a:bodyPr/>
+        <a:lstStyle/>
+        <a:p>
+          <a:endParaRPr lang="en-US"/>
+        </a:p>
+      </dgm:t>
     </dgm:pt>
   </dgm:ptLst>
   <dgm:cxnLst>
+    <dgm:cxn modelId="{B72B3AD7-60F7-467B-A6FF-49D88BFD282C}" type="presOf" srcId="{C0FF5843-C23E-41A3-91AE-32FB4C530130}" destId="{A7F8BB70-2FBE-4851-BA21-C4EC20873D09}" srcOrd="0" destOrd="0" presId="urn:microsoft.com/office/officeart/2005/8/layout/vList2"/>
     <dgm:cxn modelId="{8D16D113-F66B-4E0F-AAA3-DD4E0694005E}" type="presOf" srcId="{4AF25E82-A67F-4FEC-923A-E156D7435364}" destId="{BAC4CF37-23DE-405B-A5AD-693BF9257E96}" srcOrd="0" destOrd="0" presId="urn:microsoft.com/office/officeart/2005/8/layout/vList2"/>
     <dgm:cxn modelId="{4ADABE7F-4DBF-493F-9A9A-2087EF1584CD}" type="presOf" srcId="{2727A53E-AB8F-479E-B070-9111C4ADFD0A}" destId="{ED356EFE-B991-4440-829D-7F69E3136ACD}" srcOrd="0" destOrd="0" presId="urn:microsoft.com/office/officeart/2005/8/layout/vList2"/>
+    <dgm:cxn modelId="{1B3DA9DF-6292-4B17-876A-DBE9C82DD9E8}" srcId="{2727A53E-AB8F-479E-B070-9111C4ADFD0A}" destId="{C0FF5843-C23E-41A3-91AE-32FB4C530130}" srcOrd="0" destOrd="0" parTransId="{3D3EBE1A-8B7D-41E6-993D-833E4FB4CB48}" sibTransId="{74ACC2D3-75D8-408A-8AB6-26FE8D28444C}"/>
     <dgm:cxn modelId="{16A2178E-617B-4019-AEF3-A851FB062CEE}" srcId="{2727A53E-AB8F-479E-B070-9111C4ADFD0A}" destId="{4AF25E82-A67F-4FEC-923A-E156D7435364}" srcOrd="1" destOrd="0" parTransId="{4360D927-EB01-49B3-8048-CE533A294F18}" sibTransId="{CB31C671-97C0-496E-B0FD-0D386F4DD596}"/>
-    <dgm:cxn modelId="{B72B3AD7-60F7-467B-A6FF-49D88BFD282C}" type="presOf" srcId="{C0FF5843-C23E-41A3-91AE-32FB4C530130}" destId="{A7F8BB70-2FBE-4851-BA21-C4EC20873D09}" srcOrd="0" destOrd="0" presId="urn:microsoft.com/office/officeart/2005/8/layout/vList2"/>
-    <dgm:cxn modelId="{1B3DA9DF-6292-4B17-876A-DBE9C82DD9E8}" srcId="{2727A53E-AB8F-479E-B070-9111C4ADFD0A}" destId="{C0FF5843-C23E-41A3-91AE-32FB4C530130}" srcOrd="0" destOrd="0" parTransId="{3D3EBE1A-8B7D-41E6-993D-833E4FB4CB48}" sibTransId="{74ACC2D3-75D8-408A-8AB6-26FE8D28444C}"/>
     <dgm:cxn modelId="{BEE8D88A-0E5F-49E9-BD56-B5B105DA94A4}" type="presParOf" srcId="{ED356EFE-B991-4440-829D-7F69E3136ACD}" destId="{A7F8BB70-2FBE-4851-BA21-C4EC20873D09}" srcOrd="0" destOrd="0" presId="urn:microsoft.com/office/officeart/2005/8/layout/vList2"/>
     <dgm:cxn modelId="{CA80B6F4-1DF9-478F-B251-6F187BEED44D}" type="presParOf" srcId="{ED356EFE-B991-4440-829D-7F69E3136ACD}" destId="{C451E2EB-C181-4C84-A2DE-FF6F8416E167}" srcOrd="1" destOrd="0" presId="urn:microsoft.com/office/officeart/2005/8/layout/vList2"/>
     <dgm:cxn modelId="{D5FF8912-236B-44A6-AC57-4D7F016B180C}" type="presParOf" srcId="{ED356EFE-B991-4440-829D-7F69E3136ACD}" destId="{BAC4CF37-23DE-405B-A5AD-693BF9257E96}" srcOrd="2" destOrd="0" presId="urn:microsoft.com/office/officeart/2005/8/layout/vList2"/>
@@ -5663,20 +5761,10 @@
         <a:lstStyle/>
         <a:p>
           <a:r>
-            <a:rPr lang="en-US" b="0" i="0"/>
-            <a:t>Direct page request (</a:t>
+            <a:rPr lang="en-US" b="0" i="0" dirty="0"/>
+            <a:t>Direct page request (forced browsing)</a:t>
           </a:r>
-          <a:r>
-            <a:rPr lang="en-US" b="0" i="0">
-              <a:hlinkClick xmlns:r="http://schemas.openxmlformats.org/officeDocument/2006/relationships" r:id="rId1"/>
-            </a:rPr>
-            <a:t>forced browsing</a:t>
-          </a:r>
-          <a:r>
-            <a:rPr lang="en-US" b="0" i="0"/>
-            <a:t>)</a:t>
-          </a:r>
-          <a:endParaRPr lang="en-US"/>
+          <a:endParaRPr lang="en-US" dirty="0"/>
         </a:p>
       </dgm:t>
     </dgm:pt>
@@ -5821,6 +5909,13 @@
         </dgm:presLayoutVars>
       </dgm:prSet>
       <dgm:spPr/>
+      <dgm:t>
+        <a:bodyPr/>
+        <a:lstStyle/>
+        <a:p>
+          <a:endParaRPr lang="en-US"/>
+        </a:p>
+      </dgm:t>
     </dgm:pt>
     <dgm:pt modelId="{1E106BD6-7D6A-4573-BF99-C24F4545FE05}" type="pres">
       <dgm:prSet presAssocID="{F0274B34-2CA6-48E1-BC5E-9A4158414C4C}" presName="parentText" presStyleLbl="node1" presStyleIdx="0" presStyleCnt="7">
@@ -5830,6 +5925,13 @@
         </dgm:presLayoutVars>
       </dgm:prSet>
       <dgm:spPr/>
+      <dgm:t>
+        <a:bodyPr/>
+        <a:lstStyle/>
+        <a:p>
+          <a:endParaRPr lang="en-US"/>
+        </a:p>
+      </dgm:t>
     </dgm:pt>
     <dgm:pt modelId="{3DCA6DEA-680A-4A3C-AE82-C592BFA24B4F}" type="pres">
       <dgm:prSet presAssocID="{456816D1-990C-477E-929C-0B14F1E7ACF4}" presName="spacer" presStyleCnt="0"/>
@@ -5843,6 +5945,13 @@
         </dgm:presLayoutVars>
       </dgm:prSet>
       <dgm:spPr/>
+      <dgm:t>
+        <a:bodyPr/>
+        <a:lstStyle/>
+        <a:p>
+          <a:endParaRPr lang="en-US"/>
+        </a:p>
+      </dgm:t>
     </dgm:pt>
     <dgm:pt modelId="{E91F5F15-AAAF-4918-A94D-9F0C41F8BCAD}" type="pres">
       <dgm:prSet presAssocID="{038D57E7-4CA0-4319-BBD1-FF69D6493539}" presName="spacer" presStyleCnt="0"/>
@@ -5856,6 +5965,13 @@
         </dgm:presLayoutVars>
       </dgm:prSet>
       <dgm:spPr/>
+      <dgm:t>
+        <a:bodyPr/>
+        <a:lstStyle/>
+        <a:p>
+          <a:endParaRPr lang="en-US"/>
+        </a:p>
+      </dgm:t>
     </dgm:pt>
     <dgm:pt modelId="{165561CF-9FEC-460A-A105-74ACC6D3E1B5}" type="pres">
       <dgm:prSet presAssocID="{14409284-9A2A-4A9E-8F27-0C7A554F477D}" presName="spacer" presStyleCnt="0"/>
@@ -5869,6 +5985,13 @@
         </dgm:presLayoutVars>
       </dgm:prSet>
       <dgm:spPr/>
+      <dgm:t>
+        <a:bodyPr/>
+        <a:lstStyle/>
+        <a:p>
+          <a:endParaRPr lang="en-US"/>
+        </a:p>
+      </dgm:t>
     </dgm:pt>
     <dgm:pt modelId="{15374A9A-9810-47E9-95A0-F28829FD2B09}" type="pres">
       <dgm:prSet presAssocID="{42C9B1CA-C46E-47A7-9DD4-71574B6DF370}" presName="spacer" presStyleCnt="0"/>
@@ -5882,6 +6005,13 @@
         </dgm:presLayoutVars>
       </dgm:prSet>
       <dgm:spPr/>
+      <dgm:t>
+        <a:bodyPr/>
+        <a:lstStyle/>
+        <a:p>
+          <a:endParaRPr lang="en-US"/>
+        </a:p>
+      </dgm:t>
     </dgm:pt>
     <dgm:pt modelId="{4FD24882-C959-4CE9-9595-96F1E42378C1}" type="pres">
       <dgm:prSet presAssocID="{5B5A4391-7E07-40B8-BF65-E9F17358BB15}" presName="spacer" presStyleCnt="0"/>
@@ -5895,6 +6025,13 @@
         </dgm:presLayoutVars>
       </dgm:prSet>
       <dgm:spPr/>
+      <dgm:t>
+        <a:bodyPr/>
+        <a:lstStyle/>
+        <a:p>
+          <a:endParaRPr lang="en-US"/>
+        </a:p>
+      </dgm:t>
     </dgm:pt>
     <dgm:pt modelId="{59B437C2-2FBC-4F0F-A01E-7089A15E07CF}" type="pres">
       <dgm:prSet presAssocID="{FD6199C4-C4A6-434F-8EBE-F0940ECBB855}" presName="spacer" presStyleCnt="0"/>
@@ -5908,23 +6045,30 @@
         </dgm:presLayoutVars>
       </dgm:prSet>
       <dgm:spPr/>
+      <dgm:t>
+        <a:bodyPr/>
+        <a:lstStyle/>
+        <a:p>
+          <a:endParaRPr lang="en-US"/>
+        </a:p>
+      </dgm:t>
     </dgm:pt>
   </dgm:ptLst>
   <dgm:cxnLst>
+    <dgm:cxn modelId="{1565253A-DF48-4DA9-8FCA-D19E9DC97A8D}" srcId="{0767AD36-6033-4B57-B945-7C5B91081318}" destId="{45E9F959-4262-4315-8600-4708C502F8EF}" srcOrd="6" destOrd="0" parTransId="{37DC6E49-23BD-4A0C-A20C-EADC40CF1129}" sibTransId="{5D3A9A09-837B-47C9-BDEC-DBFEF73A71F3}"/>
+    <dgm:cxn modelId="{1F6B24F1-60F9-4308-8E3F-6D594341DC20}" type="presOf" srcId="{9924E527-F029-4AD8-8DE4-1F1F83C6C1E0}" destId="{F437CF1C-715A-42EE-904F-0B77C3A5A843}" srcOrd="0" destOrd="0" presId="urn:microsoft.com/office/officeart/2005/8/layout/vList2"/>
+    <dgm:cxn modelId="{0B029D11-5993-43E5-B0B2-ADEF1F80A11D}" type="presOf" srcId="{45E9F959-4262-4315-8600-4708C502F8EF}" destId="{FE73BDF1-4111-4C03-8167-5D46534ED14C}" srcOrd="0" destOrd="0" presId="urn:microsoft.com/office/officeart/2005/8/layout/vList2"/>
     <dgm:cxn modelId="{74DBFA07-DE03-419C-BEED-3E3784464940}" srcId="{0767AD36-6033-4B57-B945-7C5B91081318}" destId="{9924E527-F029-4AD8-8DE4-1F1F83C6C1E0}" srcOrd="1" destOrd="0" parTransId="{08B2B06D-C5A8-40E9-A679-C20F3DCAF5C2}" sibTransId="{038D57E7-4CA0-4319-BBD1-FF69D6493539}"/>
-    <dgm:cxn modelId="{0B029D11-5993-43E5-B0B2-ADEF1F80A11D}" type="presOf" srcId="{45E9F959-4262-4315-8600-4708C502F8EF}" destId="{FE73BDF1-4111-4C03-8167-5D46534ED14C}" srcOrd="0" destOrd="0" presId="urn:microsoft.com/office/officeart/2005/8/layout/vList2"/>
+    <dgm:cxn modelId="{855820E9-18A8-4048-9B28-4C2B93106118}" type="presOf" srcId="{3632F849-A6B2-458C-9FAB-E3F6B5279810}" destId="{97F5F109-4C94-477A-B5E8-06EBE7843331}" srcOrd="0" destOrd="0" presId="urn:microsoft.com/office/officeart/2005/8/layout/vList2"/>
+    <dgm:cxn modelId="{B1BC73B5-9EE6-4A89-B4A7-3B40CAC44613}" srcId="{0767AD36-6033-4B57-B945-7C5B91081318}" destId="{F0274B34-2CA6-48E1-BC5E-9A4158414C4C}" srcOrd="0" destOrd="0" parTransId="{BF6760E3-BD1E-4464-805C-553E1CAD1407}" sibTransId="{456816D1-990C-477E-929C-0B14F1E7ACF4}"/>
+    <dgm:cxn modelId="{2937EFB1-E949-4F76-814F-7681939ADD3A}" type="presOf" srcId="{53FC4207-DB9D-440D-B056-02B5361B33F4}" destId="{67FFCBAA-B13C-481F-8D51-84E1CAD49E10}" srcOrd="0" destOrd="0" presId="urn:microsoft.com/office/officeart/2005/8/layout/vList2"/>
+    <dgm:cxn modelId="{A2DBB677-5DAD-427D-8464-05E14084609E}" type="presOf" srcId="{1D9C9019-4E4E-479B-AECD-A0E1AE791A76}" destId="{7203B946-88BE-445D-8D8A-0D4DD4572F1F}" srcOrd="0" destOrd="0" presId="urn:microsoft.com/office/officeart/2005/8/layout/vList2"/>
+    <dgm:cxn modelId="{4B9C483C-2613-43CD-A816-CE46760F65BC}" type="presOf" srcId="{F0274B34-2CA6-48E1-BC5E-9A4158414C4C}" destId="{1E106BD6-7D6A-4573-BF99-C24F4545FE05}" srcOrd="0" destOrd="0" presId="urn:microsoft.com/office/officeart/2005/8/layout/vList2"/>
+    <dgm:cxn modelId="{BD99406D-95AC-40AC-B55D-3C5EF8234BA2}" type="presOf" srcId="{0767AD36-6033-4B57-B945-7C5B91081318}" destId="{68E40771-9404-4812-BCF6-E5A245C39C11}" srcOrd="0" destOrd="0" presId="urn:microsoft.com/office/officeart/2005/8/layout/vList2"/>
+    <dgm:cxn modelId="{211F9F62-14DA-46A4-BF85-E6E0856956E0}" srcId="{0767AD36-6033-4B57-B945-7C5B91081318}" destId="{53FC4207-DB9D-440D-B056-02B5361B33F4}" srcOrd="4" destOrd="0" parTransId="{76AB3C93-1FD1-4241-AB73-1915AEE96ADC}" sibTransId="{5B5A4391-7E07-40B8-BF65-E9F17358BB15}"/>
+    <dgm:cxn modelId="{2002775B-C42C-461D-8B4D-45A369622199}" srcId="{0767AD36-6033-4B57-B945-7C5B91081318}" destId="{9268FB8B-54AB-4C95-8B94-28A07AA49DD7}" srcOrd="3" destOrd="0" parTransId="{C75482F7-60A7-423E-B319-18E8F8748DDA}" sibTransId="{42C9B1CA-C46E-47A7-9DD4-71574B6DF370}"/>
     <dgm:cxn modelId="{260B2823-76AB-4A45-BA87-C72A1E028535}" srcId="{0767AD36-6033-4B57-B945-7C5B91081318}" destId="{3632F849-A6B2-458C-9FAB-E3F6B5279810}" srcOrd="5" destOrd="0" parTransId="{576D003A-ADF5-478E-ABD3-BC8D49F79A44}" sibTransId="{FD6199C4-C4A6-434F-8EBE-F0940ECBB855}"/>
-    <dgm:cxn modelId="{1565253A-DF48-4DA9-8FCA-D19E9DC97A8D}" srcId="{0767AD36-6033-4B57-B945-7C5B91081318}" destId="{45E9F959-4262-4315-8600-4708C502F8EF}" srcOrd="6" destOrd="0" parTransId="{37DC6E49-23BD-4A0C-A20C-EADC40CF1129}" sibTransId="{5D3A9A09-837B-47C9-BDEC-DBFEF73A71F3}"/>
-    <dgm:cxn modelId="{4B9C483C-2613-43CD-A816-CE46760F65BC}" type="presOf" srcId="{F0274B34-2CA6-48E1-BC5E-9A4158414C4C}" destId="{1E106BD6-7D6A-4573-BF99-C24F4545FE05}" srcOrd="0" destOrd="0" presId="urn:microsoft.com/office/officeart/2005/8/layout/vList2"/>
-    <dgm:cxn modelId="{2002775B-C42C-461D-8B4D-45A369622199}" srcId="{0767AD36-6033-4B57-B945-7C5B91081318}" destId="{9268FB8B-54AB-4C95-8B94-28A07AA49DD7}" srcOrd="3" destOrd="0" parTransId="{C75482F7-60A7-423E-B319-18E8F8748DDA}" sibTransId="{42C9B1CA-C46E-47A7-9DD4-71574B6DF370}"/>
-    <dgm:cxn modelId="{211F9F62-14DA-46A4-BF85-E6E0856956E0}" srcId="{0767AD36-6033-4B57-B945-7C5B91081318}" destId="{53FC4207-DB9D-440D-B056-02B5361B33F4}" srcOrd="4" destOrd="0" parTransId="{76AB3C93-1FD1-4241-AB73-1915AEE96ADC}" sibTransId="{5B5A4391-7E07-40B8-BF65-E9F17358BB15}"/>
-    <dgm:cxn modelId="{BD99406D-95AC-40AC-B55D-3C5EF8234BA2}" type="presOf" srcId="{0767AD36-6033-4B57-B945-7C5B91081318}" destId="{68E40771-9404-4812-BCF6-E5A245C39C11}" srcOrd="0" destOrd="0" presId="urn:microsoft.com/office/officeart/2005/8/layout/vList2"/>
-    <dgm:cxn modelId="{A2DBB677-5DAD-427D-8464-05E14084609E}" type="presOf" srcId="{1D9C9019-4E4E-479B-AECD-A0E1AE791A76}" destId="{7203B946-88BE-445D-8D8A-0D4DD4572F1F}" srcOrd="0" destOrd="0" presId="urn:microsoft.com/office/officeart/2005/8/layout/vList2"/>
-    <dgm:cxn modelId="{2937EFB1-E949-4F76-814F-7681939ADD3A}" type="presOf" srcId="{53FC4207-DB9D-440D-B056-02B5361B33F4}" destId="{67FFCBAA-B13C-481F-8D51-84E1CAD49E10}" srcOrd="0" destOrd="0" presId="urn:microsoft.com/office/officeart/2005/8/layout/vList2"/>
-    <dgm:cxn modelId="{B1BC73B5-9EE6-4A89-B4A7-3B40CAC44613}" srcId="{0767AD36-6033-4B57-B945-7C5B91081318}" destId="{F0274B34-2CA6-48E1-BC5E-9A4158414C4C}" srcOrd="0" destOrd="0" parTransId="{BF6760E3-BD1E-4464-805C-553E1CAD1407}" sibTransId="{456816D1-990C-477E-929C-0B14F1E7ACF4}"/>
     <dgm:cxn modelId="{DD80D5DA-CC2D-4D2C-93BF-5628AF858216}" type="presOf" srcId="{9268FB8B-54AB-4C95-8B94-28A07AA49DD7}" destId="{9D57358D-147D-402C-9BD0-5D283FC605FE}" srcOrd="0" destOrd="0" presId="urn:microsoft.com/office/officeart/2005/8/layout/vList2"/>
-    <dgm:cxn modelId="{855820E9-18A8-4048-9B28-4C2B93106118}" type="presOf" srcId="{3632F849-A6B2-458C-9FAB-E3F6B5279810}" destId="{97F5F109-4C94-477A-B5E8-06EBE7843331}" srcOrd="0" destOrd="0" presId="urn:microsoft.com/office/officeart/2005/8/layout/vList2"/>
-    <dgm:cxn modelId="{1F6B24F1-60F9-4308-8E3F-6D594341DC20}" type="presOf" srcId="{9924E527-F029-4AD8-8DE4-1F1F83C6C1E0}" destId="{F437CF1C-715A-42EE-904F-0B77C3A5A843}" srcOrd="0" destOrd="0" presId="urn:microsoft.com/office/officeart/2005/8/layout/vList2"/>
     <dgm:cxn modelId="{3A8A4FF1-73BB-490F-9FF8-F1752F08CEC1}" srcId="{0767AD36-6033-4B57-B945-7C5B91081318}" destId="{1D9C9019-4E4E-479B-AECD-A0E1AE791A76}" srcOrd="2" destOrd="0" parTransId="{8857AB7C-24E9-435F-9017-517CE4B181B3}" sibTransId="{14409284-9A2A-4A9E-8F27-0C7A554F477D}"/>
     <dgm:cxn modelId="{B9A6F217-C4B6-46AF-9009-81705A1FBDC4}" type="presParOf" srcId="{68E40771-9404-4812-BCF6-E5A245C39C11}" destId="{1E106BD6-7D6A-4573-BF99-C24F4545FE05}" srcOrd="0" destOrd="0" presId="urn:microsoft.com/office/officeart/2005/8/layout/vList2"/>
     <dgm:cxn modelId="{994DFD9F-7303-412C-8679-806544FB36E2}" type="presParOf" srcId="{68E40771-9404-4812-BCF6-E5A245C39C11}" destId="{3DCA6DEA-680A-4A3C-AE82-C592BFA24B4F}" srcOrd="1" destOrd="0" presId="urn:microsoft.com/office/officeart/2005/8/layout/vList2"/>
@@ -5954,7 +6098,7 @@
 <dgm:dataModel xmlns:dgm="http://schemas.openxmlformats.org/drawingml/2006/diagram" xmlns:a="http://schemas.openxmlformats.org/drawingml/2006/main">
   <dgm:ptLst>
     <dgm:pt modelId="{6AB823E2-DC1B-4A4F-BB19-BDF16E6471B9}" type="doc">
-      <dgm:prSet loTypeId="urn:microsoft.com/office/officeart/2005/8/layout/vList2" loCatId="list" qsTypeId="urn:microsoft.com/office/officeart/2005/8/quickstyle/simple5" qsCatId="simple" csTypeId="urn:microsoft.com/office/officeart/2005/8/colors/colorful2" csCatId="colorful"/>
+      <dgm:prSet loTypeId="urn:microsoft.com/office/officeart/2005/8/layout/vList2" loCatId="list" qsTypeId="urn:microsoft.com/office/officeart/2005/8/quickstyle/simple5" qsCatId="simple" csTypeId="urn:microsoft.com/office/officeart/2005/8/colors/colorful2" csCatId="colorful" phldr="1"/>
       <dgm:spPr/>
       <dgm:t>
         <a:bodyPr/>
@@ -6080,7 +6224,7 @@
         <a:lstStyle/>
         <a:p>
           <a:r>
-            <a:rPr lang="en-US"/>
+            <a:rPr lang="en-US" dirty="0"/>
             <a:t>URL rewriting.</a:t>
           </a:r>
         </a:p>
@@ -6116,9 +6260,14 @@
         <a:lstStyle/>
         <a:p>
           <a:r>
-            <a:rPr lang="en-US"/>
-            <a:t>Consumer identity details aren't protected when stored.</a:t>
+            <a:rPr lang="en-US" dirty="0"/>
+            <a:t>Consumer identity details </a:t>
           </a:r>
+          <a:r>
+            <a:rPr lang="en-US" dirty="0" smtClean="0"/>
+            <a:t>are protected when stored.</a:t>
+          </a:r>
+          <a:endParaRPr lang="en-US" dirty="0"/>
         </a:p>
       </dgm:t>
     </dgm:pt>
@@ -6152,7 +6301,7 @@
         <a:lstStyle/>
         <a:p>
           <a:r>
-            <a:rPr lang="en-US"/>
+            <a:rPr lang="en-US" dirty="0"/>
             <a:t>Consumer identity details are transferred over unencrypted connections.</a:t>
           </a:r>
         </a:p>
@@ -6188,6 +6337,13 @@
         </dgm:presLayoutVars>
       </dgm:prSet>
       <dgm:spPr/>
+      <dgm:t>
+        <a:bodyPr/>
+        <a:lstStyle/>
+        <a:p>
+          <a:endParaRPr lang="en-US"/>
+        </a:p>
+      </dgm:t>
     </dgm:pt>
     <dgm:pt modelId="{E54EA425-5D38-4D8B-876C-53AFAAFF19DC}" type="pres">
       <dgm:prSet presAssocID="{984767EE-C92D-41A1-8056-065A63C183D4}" presName="parentText" presStyleLbl="node1" presStyleIdx="0" presStyleCnt="2">
@@ -6197,6 +6353,13 @@
         </dgm:presLayoutVars>
       </dgm:prSet>
       <dgm:spPr/>
+      <dgm:t>
+        <a:bodyPr/>
+        <a:lstStyle/>
+        <a:p>
+          <a:endParaRPr lang="en-US"/>
+        </a:p>
+      </dgm:t>
     </dgm:pt>
     <dgm:pt modelId="{EE2EF11F-9848-43E2-AE65-EC444A6928E0}" type="pres">
       <dgm:prSet presAssocID="{18572367-F63E-475F-A408-7F3644E0D249}" presName="spacer" presStyleCnt="0"/>
@@ -6210,6 +6373,13 @@
         </dgm:presLayoutVars>
       </dgm:prSet>
       <dgm:spPr/>
+      <dgm:t>
+        <a:bodyPr/>
+        <a:lstStyle/>
+        <a:p>
+          <a:endParaRPr lang="en-US"/>
+        </a:p>
+      </dgm:t>
     </dgm:pt>
     <dgm:pt modelId="{ED556633-0C3F-410C-8D52-89146CE0D659}" type="pres">
       <dgm:prSet presAssocID="{0A872DB2-D3CC-42AC-B699-7DF97E6AFD97}" presName="childText" presStyleLbl="revTx" presStyleIdx="0" presStyleCnt="1">
@@ -6218,22 +6388,29 @@
         </dgm:presLayoutVars>
       </dgm:prSet>
       <dgm:spPr/>
+      <dgm:t>
+        <a:bodyPr/>
+        <a:lstStyle/>
+        <a:p>
+          <a:endParaRPr lang="en-US"/>
+        </a:p>
+      </dgm:t>
     </dgm:pt>
   </dgm:ptLst>
   <dgm:cxnLst>
+    <dgm:cxn modelId="{1704D46E-1434-474E-801F-C9209E6B567C}" type="presOf" srcId="{984767EE-C92D-41A1-8056-065A63C183D4}" destId="{E54EA425-5D38-4D8B-876C-53AFAAFF19DC}" srcOrd="0" destOrd="0" presId="urn:microsoft.com/office/officeart/2005/8/layout/vList2"/>
+    <dgm:cxn modelId="{D6885FBD-7048-4DE1-B4DF-224DE6E96FB1}" srcId="{0A872DB2-D3CC-42AC-B699-7DF97E6AFD97}" destId="{436C14BD-4566-4B7B-BDB3-B4009409866E}" srcOrd="0" destOrd="0" parTransId="{ED18F5CC-8884-40C0-A916-FC88B4AE063B}" sibTransId="{4FCBA7EE-6619-4CD8-98AB-5E720EE275F1}"/>
+    <dgm:cxn modelId="{636B1FE9-5DB2-4BA1-81A7-C65C0AF2DBF4}" srcId="{0A872DB2-D3CC-42AC-B699-7DF97E6AFD97}" destId="{DEEA8D59-91F1-4DB8-B3DF-7889D13EA9C5}" srcOrd="1" destOrd="0" parTransId="{0FFAA91A-09A9-4EFC-A03F-D18EB1896ED7}" sibTransId="{590B92B6-8029-45D1-B8CD-B01CE49237D1}"/>
+    <dgm:cxn modelId="{BB1BDBC8-7734-4EB2-A82F-EE94EB01F545}" type="presOf" srcId="{436C14BD-4566-4B7B-BDB3-B4009409866E}" destId="{ED556633-0C3F-410C-8D52-89146CE0D659}" srcOrd="0" destOrd="0" presId="urn:microsoft.com/office/officeart/2005/8/layout/vList2"/>
+    <dgm:cxn modelId="{3D3D5B74-736B-46D4-A5E8-ADC5D79EAF16}" type="presOf" srcId="{0A872DB2-D3CC-42AC-B699-7DF97E6AFD97}" destId="{785A10F6-6890-41BF-83E2-A6232DAC6191}" srcOrd="0" destOrd="0" presId="urn:microsoft.com/office/officeart/2005/8/layout/vList2"/>
+    <dgm:cxn modelId="{278A77BB-E2BB-43C3-86D6-5AD5C6BA9576}" srcId="{6AB823E2-DC1B-4A4F-BB19-BDF16E6471B9}" destId="{0A872DB2-D3CC-42AC-B699-7DF97E6AFD97}" srcOrd="1" destOrd="0" parTransId="{D435C880-0187-4E76-B7EC-EE9410BB76A8}" sibTransId="{ABC0E7F9-55A9-44E2-95BF-69E5965CAFAA}"/>
+    <dgm:cxn modelId="{24A528D8-748F-468E-8B3D-14D15B12C96C}" type="presOf" srcId="{DEEA8D59-91F1-4DB8-B3DF-7889D13EA9C5}" destId="{ED556633-0C3F-410C-8D52-89146CE0D659}" srcOrd="0" destOrd="1" presId="urn:microsoft.com/office/officeart/2005/8/layout/vList2"/>
+    <dgm:cxn modelId="{02D1665D-007E-48A4-B241-43E5744FDF0D}" type="presOf" srcId="{C261E904-742D-426E-864F-CEF76B231A18}" destId="{ED556633-0C3F-410C-8D52-89146CE0D659}" srcOrd="0" destOrd="3" presId="urn:microsoft.com/office/officeart/2005/8/layout/vList2"/>
+    <dgm:cxn modelId="{021A219C-18B0-4692-8B63-BEB565843F77}" srcId="{0A872DB2-D3CC-42AC-B699-7DF97E6AFD97}" destId="{C261E904-742D-426E-864F-CEF76B231A18}" srcOrd="3" destOrd="0" parTransId="{12828D87-C049-4DAF-8CE2-A04631675908}" sibTransId="{6E43F5AB-AF0A-4A2D-9656-01B602D11602}"/>
+    <dgm:cxn modelId="{37F7A63F-5741-4CC5-8512-254147EA9A7E}" srcId="{0A872DB2-D3CC-42AC-B699-7DF97E6AFD97}" destId="{F56074B4-80A1-4D14-821B-187E6179CBD8}" srcOrd="2" destOrd="0" parTransId="{7EADEEAC-022B-4AA2-9D8A-3836640C1870}" sibTransId="{BA93D321-E596-4AA2-B47F-8D637BCF1FFC}"/>
+    <dgm:cxn modelId="{195F89A9-5026-4113-9A62-78A14DAC2405}" srcId="{6AB823E2-DC1B-4A4F-BB19-BDF16E6471B9}" destId="{984767EE-C92D-41A1-8056-065A63C183D4}" srcOrd="0" destOrd="0" parTransId="{D6745209-2F97-4105-8A01-741C91DD3EE9}" sibTransId="{18572367-F63E-475F-A408-7F3644E0D249}"/>
     <dgm:cxn modelId="{67BBDF0F-C243-4C2D-AC83-65E78583C436}" type="presOf" srcId="{F56074B4-80A1-4D14-821B-187E6179CBD8}" destId="{ED556633-0C3F-410C-8D52-89146CE0D659}" srcOrd="0" destOrd="2" presId="urn:microsoft.com/office/officeart/2005/8/layout/vList2"/>
-    <dgm:cxn modelId="{37F7A63F-5741-4CC5-8512-254147EA9A7E}" srcId="{0A872DB2-D3CC-42AC-B699-7DF97E6AFD97}" destId="{F56074B4-80A1-4D14-821B-187E6179CBD8}" srcOrd="2" destOrd="0" parTransId="{7EADEEAC-022B-4AA2-9D8A-3836640C1870}" sibTransId="{BA93D321-E596-4AA2-B47F-8D637BCF1FFC}"/>
-    <dgm:cxn modelId="{02D1665D-007E-48A4-B241-43E5744FDF0D}" type="presOf" srcId="{C261E904-742D-426E-864F-CEF76B231A18}" destId="{ED556633-0C3F-410C-8D52-89146CE0D659}" srcOrd="0" destOrd="3" presId="urn:microsoft.com/office/officeart/2005/8/layout/vList2"/>
-    <dgm:cxn modelId="{1704D46E-1434-474E-801F-C9209E6B567C}" type="presOf" srcId="{984767EE-C92D-41A1-8056-065A63C183D4}" destId="{E54EA425-5D38-4D8B-876C-53AFAAFF19DC}" srcOrd="0" destOrd="0" presId="urn:microsoft.com/office/officeart/2005/8/layout/vList2"/>
-    <dgm:cxn modelId="{3D3D5B74-736B-46D4-A5E8-ADC5D79EAF16}" type="presOf" srcId="{0A872DB2-D3CC-42AC-B699-7DF97E6AFD97}" destId="{785A10F6-6890-41BF-83E2-A6232DAC6191}" srcOrd="0" destOrd="0" presId="urn:microsoft.com/office/officeart/2005/8/layout/vList2"/>
-    <dgm:cxn modelId="{021A219C-18B0-4692-8B63-BEB565843F77}" srcId="{0A872DB2-D3CC-42AC-B699-7DF97E6AFD97}" destId="{C261E904-742D-426E-864F-CEF76B231A18}" srcOrd="3" destOrd="0" parTransId="{12828D87-C049-4DAF-8CE2-A04631675908}" sibTransId="{6E43F5AB-AF0A-4A2D-9656-01B602D11602}"/>
-    <dgm:cxn modelId="{195F89A9-5026-4113-9A62-78A14DAC2405}" srcId="{6AB823E2-DC1B-4A4F-BB19-BDF16E6471B9}" destId="{984767EE-C92D-41A1-8056-065A63C183D4}" srcOrd="0" destOrd="0" parTransId="{D6745209-2F97-4105-8A01-741C91DD3EE9}" sibTransId="{18572367-F63E-475F-A408-7F3644E0D249}"/>
-    <dgm:cxn modelId="{278A77BB-E2BB-43C3-86D6-5AD5C6BA9576}" srcId="{6AB823E2-DC1B-4A4F-BB19-BDF16E6471B9}" destId="{0A872DB2-D3CC-42AC-B699-7DF97E6AFD97}" srcOrd="1" destOrd="0" parTransId="{D435C880-0187-4E76-B7EC-EE9410BB76A8}" sibTransId="{ABC0E7F9-55A9-44E2-95BF-69E5965CAFAA}"/>
-    <dgm:cxn modelId="{D6885FBD-7048-4DE1-B4DF-224DE6E96FB1}" srcId="{0A872DB2-D3CC-42AC-B699-7DF97E6AFD97}" destId="{436C14BD-4566-4B7B-BDB3-B4009409866E}" srcOrd="0" destOrd="0" parTransId="{ED18F5CC-8884-40C0-A916-FC88B4AE063B}" sibTransId="{4FCBA7EE-6619-4CD8-98AB-5E720EE275F1}"/>
     <dgm:cxn modelId="{B88FE1C5-7AA8-4DC1-867E-CFC6DA7AA155}" type="presOf" srcId="{6AB823E2-DC1B-4A4F-BB19-BDF16E6471B9}" destId="{DF1B63D5-A9FD-4972-8D6D-6E27043C3D32}" srcOrd="0" destOrd="0" presId="urn:microsoft.com/office/officeart/2005/8/layout/vList2"/>
-    <dgm:cxn modelId="{BB1BDBC8-7734-4EB2-A82F-EE94EB01F545}" type="presOf" srcId="{436C14BD-4566-4B7B-BDB3-B4009409866E}" destId="{ED556633-0C3F-410C-8D52-89146CE0D659}" srcOrd="0" destOrd="0" presId="urn:microsoft.com/office/officeart/2005/8/layout/vList2"/>
-    <dgm:cxn modelId="{24A528D8-748F-468E-8B3D-14D15B12C96C}" type="presOf" srcId="{DEEA8D59-91F1-4DB8-B3DF-7889D13EA9C5}" destId="{ED556633-0C3F-410C-8D52-89146CE0D659}" srcOrd="0" destOrd="1" presId="urn:microsoft.com/office/officeart/2005/8/layout/vList2"/>
-    <dgm:cxn modelId="{636B1FE9-5DB2-4BA1-81A7-C65C0AF2DBF4}" srcId="{0A872DB2-D3CC-42AC-B699-7DF97E6AFD97}" destId="{DEEA8D59-91F1-4DB8-B3DF-7889D13EA9C5}" srcOrd="1" destOrd="0" parTransId="{0FFAA91A-09A9-4EFC-A03F-D18EB1896ED7}" sibTransId="{590B92B6-8029-45D1-B8CD-B01CE49237D1}"/>
     <dgm:cxn modelId="{2D5D4C5D-8DD7-4452-A111-064793721C0C}" type="presParOf" srcId="{DF1B63D5-A9FD-4972-8D6D-6E27043C3D32}" destId="{E54EA425-5D38-4D8B-876C-53AFAAFF19DC}" srcOrd="0" destOrd="0" presId="urn:microsoft.com/office/officeart/2005/8/layout/vList2"/>
     <dgm:cxn modelId="{2F5DAAE2-D7D3-40A2-8E33-900F3B605ABD}" type="presParOf" srcId="{DF1B63D5-A9FD-4972-8D6D-6E27043C3D32}" destId="{EE2EF11F-9848-43E2-AE65-EC444A6928E0}" srcOrd="1" destOrd="0" presId="urn:microsoft.com/office/officeart/2005/8/layout/vList2"/>
     <dgm:cxn modelId="{8016D21F-DE90-4E24-BAE9-F794A4216020}" type="presParOf" srcId="{DF1B63D5-A9FD-4972-8D6D-6E27043C3D32}" destId="{785A10F6-6890-41BF-83E2-A6232DAC6191}" srcOrd="2" destOrd="0" presId="urn:microsoft.com/office/officeart/2005/8/layout/vList2"/>
@@ -6339,7 +6516,7 @@
         </a:bodyPr>
         <a:lstStyle/>
         <a:p>
-          <a:pPr marL="0" lvl="0" indent="0" algn="l" defTabSz="1066800">
+          <a:pPr lvl="0" algn="l" defTabSz="1066800">
             <a:lnSpc>
               <a:spcPct val="90000"/>
             </a:lnSpc>
@@ -6349,7 +6526,6 @@
             <a:spcAft>
               <a:spcPct val="35000"/>
             </a:spcAft>
-            <a:buNone/>
           </a:pPr>
           <a:r>
             <a:rPr lang="en-US" sz="2400" b="1" i="0" kern="1200" dirty="0"/>
@@ -6449,7 +6625,7 @@
         </a:bodyPr>
         <a:lstStyle/>
         <a:p>
-          <a:pPr marL="0" lvl="0" indent="0" algn="l" defTabSz="1066800">
+          <a:pPr lvl="0" algn="l" defTabSz="1066800">
             <a:lnSpc>
               <a:spcPct val="90000"/>
             </a:lnSpc>
@@ -6459,7 +6635,6 @@
             <a:spcAft>
               <a:spcPct val="35000"/>
             </a:spcAft>
-            <a:buNone/>
           </a:pPr>
           <a:r>
             <a:rPr lang="en-US" sz="2400" b="0" i="0" kern="1200" dirty="0"/>
@@ -6571,7 +6746,7 @@
         </a:bodyPr>
         <a:lstStyle/>
         <a:p>
-          <a:pPr marL="0" lvl="0" indent="0" algn="l" defTabSz="1066800">
+          <a:pPr lvl="0" algn="l" defTabSz="1066800">
             <a:lnSpc>
               <a:spcPct val="90000"/>
             </a:lnSpc>
@@ -6581,7 +6756,6 @@
             <a:spcAft>
               <a:spcPct val="35000"/>
             </a:spcAft>
-            <a:buNone/>
           </a:pPr>
           <a:r>
             <a:rPr lang="en-US" sz="2400" kern="1200" dirty="0"/>
@@ -6676,7 +6850,7 @@
         </a:bodyPr>
         <a:lstStyle/>
         <a:p>
-          <a:pPr marL="0" lvl="0" indent="0" algn="l" defTabSz="1066800">
+          <a:pPr lvl="0" algn="l" defTabSz="1066800">
             <a:lnSpc>
               <a:spcPct val="90000"/>
             </a:lnSpc>
@@ -6686,7 +6860,6 @@
             <a:spcAft>
               <a:spcPct val="35000"/>
             </a:spcAft>
-            <a:buNone/>
           </a:pPr>
           <a:r>
             <a:rPr lang="en-US" sz="2400" kern="1200" dirty="0"/>
@@ -6781,7 +6954,7 @@
         </a:bodyPr>
         <a:lstStyle/>
         <a:p>
-          <a:pPr marL="0" lvl="0" indent="0" algn="l" defTabSz="1066800">
+          <a:pPr lvl="0" algn="l" defTabSz="1066800">
             <a:lnSpc>
               <a:spcPct val="90000"/>
             </a:lnSpc>
@@ -6791,7 +6964,6 @@
             <a:spcAft>
               <a:spcPct val="35000"/>
             </a:spcAft>
-            <a:buNone/>
           </a:pPr>
           <a:r>
             <a:rPr lang="en-US" sz="2400" kern="1200" dirty="0"/>
@@ -6886,7 +7058,7 @@
         </a:bodyPr>
         <a:lstStyle/>
         <a:p>
-          <a:pPr marL="0" lvl="0" indent="0" algn="l" defTabSz="1066800">
+          <a:pPr lvl="0" algn="l" defTabSz="1066800">
             <a:lnSpc>
               <a:spcPct val="90000"/>
             </a:lnSpc>
@@ -6896,7 +7068,6 @@
             <a:spcAft>
               <a:spcPct val="35000"/>
             </a:spcAft>
-            <a:buNone/>
           </a:pPr>
           <a:r>
             <a:rPr lang="en-US" sz="2400" kern="1200" dirty="0"/>
@@ -7003,7 +7174,7 @@
         </a:bodyPr>
         <a:lstStyle/>
         <a:p>
-          <a:pPr marL="0" lvl="0" indent="0" algn="l" defTabSz="1066800">
+          <a:pPr lvl="0" algn="l" defTabSz="1066800">
             <a:lnSpc>
               <a:spcPct val="90000"/>
             </a:lnSpc>
@@ -7013,7 +7184,6 @@
             <a:spcAft>
               <a:spcPct val="35000"/>
             </a:spcAft>
-            <a:buNone/>
           </a:pPr>
           <a:r>
             <a:rPr lang="en-US" sz="2400" kern="1200" dirty="0"/>
@@ -7073,7 +7243,7 @@
             <a:spcAft>
               <a:spcPct val="20000"/>
             </a:spcAft>
-            <a:buChar char="•"/>
+            <a:buChar char="••"/>
           </a:pPr>
           <a:r>
             <a:rPr lang="en-US" sz="2400" kern="1200" dirty="0"/>
@@ -7091,7 +7261,7 @@
             <a:spcAft>
               <a:spcPct val="20000"/>
             </a:spcAft>
-            <a:buChar char="•"/>
+            <a:buChar char="••"/>
           </a:pPr>
           <a:r>
             <a:rPr lang="en-US" sz="2400" kern="1200" dirty="0"/>
@@ -7198,7 +7368,7 @@
         </a:bodyPr>
         <a:lstStyle/>
         <a:p>
-          <a:pPr marL="0" lvl="0" indent="0" algn="l" defTabSz="1066800">
+          <a:pPr lvl="0" algn="l" defTabSz="1066800">
             <a:lnSpc>
               <a:spcPct val="90000"/>
             </a:lnSpc>
@@ -7208,7 +7378,6 @@
             <a:spcAft>
               <a:spcPct val="35000"/>
             </a:spcAft>
-            <a:buNone/>
           </a:pPr>
           <a:r>
             <a:rPr lang="en-US" sz="2400" kern="1200" dirty="0"/>
@@ -7307,7 +7476,7 @@
         </a:bodyPr>
         <a:lstStyle/>
         <a:p>
-          <a:pPr marL="0" lvl="0" indent="0" algn="l" defTabSz="1066800">
+          <a:pPr lvl="0" algn="l" defTabSz="1066800">
             <a:lnSpc>
               <a:spcPct val="90000"/>
             </a:lnSpc>
@@ -7317,7 +7486,6 @@
             <a:spcAft>
               <a:spcPct val="35000"/>
             </a:spcAft>
-            <a:buNone/>
           </a:pPr>
           <a:r>
             <a:rPr lang="en-US" sz="2400" kern="1200" dirty="0"/>
@@ -7424,7 +7592,7 @@
         </a:bodyPr>
         <a:lstStyle/>
         <a:p>
-          <a:pPr marL="0" lvl="0" indent="0" algn="l" defTabSz="755650">
+          <a:pPr lvl="0" algn="l" defTabSz="755650">
             <a:lnSpc>
               <a:spcPct val="90000"/>
             </a:lnSpc>
@@ -7434,7 +7602,6 @@
             <a:spcAft>
               <a:spcPct val="35000"/>
             </a:spcAft>
-            <a:buNone/>
           </a:pPr>
           <a:r>
             <a:rPr lang="en-US" sz="1700" b="1" i="0" kern="1200" dirty="0"/>
@@ -7530,7 +7697,7 @@
         </a:bodyPr>
         <a:lstStyle/>
         <a:p>
-          <a:pPr marL="0" lvl="0" indent="0" algn="l" defTabSz="755650">
+          <a:pPr lvl="0" algn="l" defTabSz="755650">
             <a:lnSpc>
               <a:spcPct val="90000"/>
             </a:lnSpc>
@@ -7540,7 +7707,6 @@
             <a:spcAft>
               <a:spcPct val="35000"/>
             </a:spcAft>
-            <a:buNone/>
           </a:pPr>
           <a:r>
             <a:rPr lang="en-US" sz="1700" i="0" kern="1200"/>
@@ -7636,7 +7802,7 @@
         </a:bodyPr>
         <a:lstStyle/>
         <a:p>
-          <a:pPr marL="0" lvl="0" indent="0" algn="l" defTabSz="755650">
+          <a:pPr lvl="0" algn="l" defTabSz="755650">
             <a:lnSpc>
               <a:spcPct val="90000"/>
             </a:lnSpc>
@@ -7646,7 +7812,6 @@
             <a:spcAft>
               <a:spcPct val="35000"/>
             </a:spcAft>
-            <a:buNone/>
           </a:pPr>
           <a:r>
             <a:rPr lang="en-US" sz="1700" b="0" i="0" kern="1200" dirty="0"/>
@@ -7742,7 +7907,7 @@
         </a:bodyPr>
         <a:lstStyle/>
         <a:p>
-          <a:pPr marL="0" lvl="0" indent="0" algn="l" defTabSz="755650">
+          <a:pPr lvl="0" algn="l" defTabSz="755650">
             <a:lnSpc>
               <a:spcPct val="90000"/>
             </a:lnSpc>
@@ -7752,23 +7917,12 @@
             <a:spcAft>
               <a:spcPct val="35000"/>
             </a:spcAft>
-            <a:buNone/>
           </a:pPr>
           <a:r>
-            <a:rPr lang="en-US" sz="1700" b="0" i="0" kern="1200"/>
-            <a:t>Direct page request (</a:t>
+            <a:rPr lang="en-US" sz="1700" b="0" i="0" kern="1200" dirty="0"/>
+            <a:t>Direct page request (forced browsing)</a:t>
           </a:r>
-          <a:r>
-            <a:rPr lang="en-US" sz="1700" b="0" i="0" kern="1200">
-              <a:hlinkClick xmlns:r="http://schemas.openxmlformats.org/officeDocument/2006/relationships" r:id="rId1"/>
-            </a:rPr>
-            <a:t>forced browsing</a:t>
-          </a:r>
-          <a:r>
-            <a:rPr lang="en-US" sz="1700" b="0" i="0" kern="1200"/>
-            <a:t>)</a:t>
-          </a:r>
-          <a:endParaRPr lang="en-US" sz="1700" kern="1200"/>
+          <a:endParaRPr lang="en-US" sz="1700" kern="1200" dirty="0"/>
         </a:p>
       </dsp:txBody>
       <dsp:txXfrm>
@@ -7858,7 +8012,7 @@
         </a:bodyPr>
         <a:lstStyle/>
         <a:p>
-          <a:pPr marL="0" lvl="0" indent="0" algn="l" defTabSz="755650">
+          <a:pPr lvl="0" algn="l" defTabSz="755650">
             <a:lnSpc>
               <a:spcPct val="90000"/>
             </a:lnSpc>
@@ -7868,7 +8022,6 @@
             <a:spcAft>
               <a:spcPct val="35000"/>
             </a:spcAft>
-            <a:buNone/>
           </a:pPr>
           <a:r>
             <a:rPr lang="en-US" sz="1700" b="0" i="0" kern="1200"/>
@@ -7964,7 +8117,7 @@
         </a:bodyPr>
         <a:lstStyle/>
         <a:p>
-          <a:pPr marL="0" lvl="0" indent="0" algn="l" defTabSz="755650">
+          <a:pPr lvl="0" algn="l" defTabSz="755650">
             <a:lnSpc>
               <a:spcPct val="90000"/>
             </a:lnSpc>
@@ -7974,7 +8127,6 @@
             <a:spcAft>
               <a:spcPct val="35000"/>
             </a:spcAft>
-            <a:buNone/>
           </a:pPr>
           <a:r>
             <a:rPr lang="en-US" sz="1700" b="0" i="0" kern="1200"/>
@@ -8070,7 +8222,7 @@
         </a:bodyPr>
         <a:lstStyle/>
         <a:p>
-          <a:pPr marL="0" lvl="0" indent="0" algn="l" defTabSz="755650">
+          <a:pPr lvl="0" algn="l" defTabSz="755650">
             <a:lnSpc>
               <a:spcPct val="90000"/>
             </a:lnSpc>
@@ -8080,7 +8232,6 @@
             <a:spcAft>
               <a:spcPct val="35000"/>
             </a:spcAft>
-            <a:buNone/>
           </a:pPr>
           <a:r>
             <a:rPr lang="en-US" sz="1700" b="0" i="0" kern="1200"/>
@@ -8188,7 +8339,7 @@
         </a:bodyPr>
         <a:lstStyle/>
         <a:p>
-          <a:pPr marL="0" lvl="0" indent="0" algn="l" defTabSz="1244600">
+          <a:pPr lvl="0" algn="l" defTabSz="1244600">
             <a:lnSpc>
               <a:spcPct val="90000"/>
             </a:lnSpc>
@@ -8198,7 +8349,6 @@
             <a:spcAft>
               <a:spcPct val="35000"/>
             </a:spcAft>
-            <a:buNone/>
           </a:pPr>
           <a:r>
             <a:rPr lang="en-US" sz="2800" kern="1200"/>
@@ -8293,7 +8443,7 @@
         </a:bodyPr>
         <a:lstStyle/>
         <a:p>
-          <a:pPr marL="0" lvl="0" indent="0" algn="l" defTabSz="1244600">
+          <a:pPr lvl="0" algn="l" defTabSz="1244600">
             <a:lnSpc>
               <a:spcPct val="90000"/>
             </a:lnSpc>
@@ -8303,7 +8453,6 @@
             <a:spcAft>
               <a:spcPct val="35000"/>
             </a:spcAft>
-            <a:buNone/>
           </a:pPr>
           <a:r>
             <a:rPr lang="en-US" sz="2800" kern="1200"/>
@@ -8363,7 +8512,7 @@
             <a:spcAft>
               <a:spcPct val="20000"/>
             </a:spcAft>
-            <a:buChar char="•"/>
+            <a:buChar char="••"/>
           </a:pPr>
           <a:r>
             <a:rPr lang="en-US" sz="2200" kern="1200"/>
@@ -8381,10 +8530,10 @@
             <a:spcAft>
               <a:spcPct val="20000"/>
             </a:spcAft>
-            <a:buChar char="•"/>
+            <a:buChar char="••"/>
           </a:pPr>
           <a:r>
-            <a:rPr lang="en-US" sz="2200" kern="1200"/>
+            <a:rPr lang="en-US" sz="2200" kern="1200" dirty="0"/>
             <a:t>URL rewriting.</a:t>
           </a:r>
         </a:p>
@@ -8399,12 +8548,17 @@
             <a:spcAft>
               <a:spcPct val="20000"/>
             </a:spcAft>
-            <a:buChar char="•"/>
+            <a:buChar char="••"/>
           </a:pPr>
           <a:r>
-            <a:rPr lang="en-US" sz="2200" kern="1200"/>
-            <a:t>Consumer identity details aren't protected when stored.</a:t>
+            <a:rPr lang="en-US" sz="2200" kern="1200" dirty="0"/>
+            <a:t>Consumer identity details </a:t>
           </a:r>
+          <a:r>
+            <a:rPr lang="en-US" sz="2200" kern="1200" dirty="0" smtClean="0"/>
+            <a:t>are protected when stored.</a:t>
+          </a:r>
+          <a:endParaRPr lang="en-US" sz="2200" kern="1200" dirty="0"/>
         </a:p>
         <a:p>
           <a:pPr marL="228600" lvl="1" indent="-228600" algn="l" defTabSz="977900">
@@ -8417,10 +8571,10 @@
             <a:spcAft>
               <a:spcPct val="20000"/>
             </a:spcAft>
-            <a:buChar char="•"/>
+            <a:buChar char="••"/>
           </a:pPr>
           <a:r>
-            <a:rPr lang="en-US" sz="2200" kern="1200"/>
+            <a:rPr lang="en-US" sz="2200" kern="1200" dirty="0"/>
             <a:t>Consumer identity details are transferred over unencrypted connections.</a:t>
           </a:r>
         </a:p>
@@ -15914,7 +16068,7 @@
           <a:p>
             <a:fld id="{6495B3D0-EE7C-43B0-A708-A5E14507ECF2}" type="datetimeFigureOut">
               <a:rPr lang="en-US" smtClean="0"/>
-              <a:t>6/7/2021</a:t>
+              <a:t>6/8/2021</a:t>
             </a:fld>
             <a:endParaRPr lang="en-US"/>
           </a:p>
@@ -16328,7 +16482,7 @@
           <a:p>
             <a:fld id="{6495B3D0-EE7C-43B0-A708-A5E14507ECF2}" type="datetimeFigureOut">
               <a:rPr lang="en-US" smtClean="0"/>
-              <a:t>6/7/2021</a:t>
+              <a:t>6/8/2021</a:t>
             </a:fld>
             <a:endParaRPr lang="en-US"/>
           </a:p>
@@ -16664,7 +16818,7 @@
           <a:p>
             <a:fld id="{6495B3D0-EE7C-43B0-A708-A5E14507ECF2}" type="datetimeFigureOut">
               <a:rPr lang="en-US" smtClean="0"/>
-              <a:t>6/7/2021</a:t>
+              <a:t>6/8/2021</a:t>
             </a:fld>
             <a:endParaRPr lang="en-US"/>
           </a:p>
@@ -17069,7 +17223,7 @@
           <a:p>
             <a:fld id="{6495B3D0-EE7C-43B0-A708-A5E14507ECF2}" type="datetimeFigureOut">
               <a:rPr lang="en-US" smtClean="0"/>
-              <a:t>6/7/2021</a:t>
+              <a:t>6/8/2021</a:t>
             </a:fld>
             <a:endParaRPr lang="en-US"/>
           </a:p>
@@ -17637,7 +17791,7 @@
           <a:p>
             <a:fld id="{6495B3D0-EE7C-43B0-A708-A5E14507ECF2}" type="datetimeFigureOut">
               <a:rPr lang="en-US" smtClean="0"/>
-              <a:t>6/7/2021</a:t>
+              <a:t>6/8/2021</a:t>
             </a:fld>
             <a:endParaRPr lang="en-US"/>
           </a:p>
@@ -18318,7 +18472,7 @@
           <a:p>
             <a:fld id="{6495B3D0-EE7C-43B0-A708-A5E14507ECF2}" type="datetimeFigureOut">
               <a:rPr lang="en-US" smtClean="0"/>
-              <a:t>6/7/2021</a:t>
+              <a:t>6/8/2021</a:t>
             </a:fld>
             <a:endParaRPr lang="en-US"/>
           </a:p>
@@ -19231,7 +19385,7 @@
           <a:p>
             <a:fld id="{6495B3D0-EE7C-43B0-A708-A5E14507ECF2}" type="datetimeFigureOut">
               <a:rPr lang="en-US" smtClean="0"/>
-              <a:t>6/7/2021</a:t>
+              <a:t>6/8/2021</a:t>
             </a:fld>
             <a:endParaRPr lang="en-US"/>
           </a:p>
@@ -19544,7 +19698,7 @@
           <a:p>
             <a:fld id="{6495B3D0-EE7C-43B0-A708-A5E14507ECF2}" type="datetimeFigureOut">
               <a:rPr lang="en-US" smtClean="0"/>
-              <a:t>6/7/2021</a:t>
+              <a:t>6/8/2021</a:t>
             </a:fld>
             <a:endParaRPr lang="en-US"/>
           </a:p>
@@ -19808,7 +19962,7 @@
           <a:p>
             <a:fld id="{6495B3D0-EE7C-43B0-A708-A5E14507ECF2}" type="datetimeFigureOut">
               <a:rPr lang="en-US" smtClean="0"/>
-              <a:t>6/7/2021</a:t>
+              <a:t>6/8/2021</a:t>
             </a:fld>
             <a:endParaRPr lang="en-US"/>
           </a:p>
@@ -20131,7 +20285,7 @@
           <a:p>
             <a:fld id="{6495B3D0-EE7C-43B0-A708-A5E14507ECF2}" type="datetimeFigureOut">
               <a:rPr lang="en-US" smtClean="0"/>
-              <a:t>6/7/2021</a:t>
+              <a:t>6/8/2021</a:t>
             </a:fld>
             <a:endParaRPr lang="en-US"/>
           </a:p>
@@ -20520,7 +20674,7 @@
           <a:p>
             <a:fld id="{6495B3D0-EE7C-43B0-A708-A5E14507ECF2}" type="datetimeFigureOut">
               <a:rPr lang="en-US" smtClean="0"/>
-              <a:t>6/7/2021</a:t>
+              <a:t>6/8/2021</a:t>
             </a:fld>
             <a:endParaRPr lang="en-US"/>
           </a:p>
@@ -20896,7 +21050,7 @@
           <a:p>
             <a:fld id="{6495B3D0-EE7C-43B0-A708-A5E14507ECF2}" type="datetimeFigureOut">
               <a:rPr lang="en-US" smtClean="0"/>
-              <a:t>6/7/2021</a:t>
+              <a:t>6/8/2021</a:t>
             </a:fld>
             <a:endParaRPr lang="en-US"/>
           </a:p>
@@ -21402,7 +21556,7 @@
           <a:p>
             <a:fld id="{6495B3D0-EE7C-43B0-A708-A5E14507ECF2}" type="datetimeFigureOut">
               <a:rPr lang="en-US" smtClean="0"/>
-              <a:t>6/7/2021</a:t>
+              <a:t>6/8/2021</a:t>
             </a:fld>
             <a:endParaRPr lang="en-US"/>
           </a:p>
@@ -21659,7 +21813,7 @@
           <a:p>
             <a:fld id="{6495B3D0-EE7C-43B0-A708-A5E14507ECF2}" type="datetimeFigureOut">
               <a:rPr lang="en-US" smtClean="0"/>
-              <a:t>6/7/2021</a:t>
+              <a:t>6/8/2021</a:t>
             </a:fld>
             <a:endParaRPr lang="en-US"/>
           </a:p>
@@ -21822,7 +21976,7 @@
           <a:p>
             <a:fld id="{6495B3D0-EE7C-43B0-A708-A5E14507ECF2}" type="datetimeFigureOut">
               <a:rPr lang="en-US" smtClean="0"/>
-              <a:t>6/7/2021</a:t>
+              <a:t>6/8/2021</a:t>
             </a:fld>
             <a:endParaRPr lang="en-US"/>
           </a:p>
@@ -22212,7 +22366,7 @@
           <a:p>
             <a:fld id="{6495B3D0-EE7C-43B0-A708-A5E14507ECF2}" type="datetimeFigureOut">
               <a:rPr lang="en-US" smtClean="0"/>
-              <a:t>6/7/2021</a:t>
+              <a:t>6/8/2021</a:t>
             </a:fld>
             <a:endParaRPr lang="en-US"/>
           </a:p>
@@ -22621,7 +22775,7 @@
           <a:p>
             <a:fld id="{6495B3D0-EE7C-43B0-A708-A5E14507ECF2}" type="datetimeFigureOut">
               <a:rPr lang="en-US" smtClean="0"/>
-              <a:t>6/7/2021</a:t>
+              <a:t>6/8/2021</a:t>
             </a:fld>
             <a:endParaRPr lang="en-US"/>
           </a:p>
@@ -22865,7 +23019,7 @@
           <a:p>
             <a:fld id="{6495B3D0-EE7C-43B0-A708-A5E14507ECF2}" type="datetimeFigureOut">
               <a:rPr lang="en-US" smtClean="0"/>
-              <a:t>6/7/2021</a:t>
+              <a:t>6/8/2021</a:t>
             </a:fld>
             <a:endParaRPr lang="en-US"/>
           </a:p>
@@ -23319,7 +23473,7 @@
                 <a16:creationId xmlns:a16="http://schemas.microsoft.com/office/drawing/2014/main" id="{C31B3953-7FBE-4269-9F5E-F3688552270C}"/>
               </a:ext>
               <a:ext uri="{C183D7F6-B498-43B3-948B-1728B52AA6E4}">
-                <adec:decorative xmlns:adec="http://schemas.microsoft.com/office/drawing/2017/decorative" val="1"/>
+                <adec:decorative xmlns:adec="http://schemas.microsoft.com/office/drawing/2017/decorative" xmlns="" val="1"/>
               </a:ext>
             </a:extLst>
           </p:cNvPr>
@@ -23350,7 +23504,7 @@
                   <a16:creationId xmlns:a16="http://schemas.microsoft.com/office/drawing/2014/main" id="{34B1F1F0-EEAD-4728-BA46-976A46F212E6}"/>
                 </a:ext>
                 <a:ext uri="{C183D7F6-B498-43B3-948B-1728B52AA6E4}">
-                  <adec:decorative xmlns:adec="http://schemas.microsoft.com/office/drawing/2017/decorative" val="1"/>
+                  <adec:decorative xmlns:adec="http://schemas.microsoft.com/office/drawing/2017/decorative" xmlns="" val="1"/>
                 </a:ext>
               </a:extLst>
             </p:cNvPr>
@@ -23408,7 +23562,7 @@
                   <a16:creationId xmlns:a16="http://schemas.microsoft.com/office/drawing/2014/main" id="{D08D9A12-746D-4BC2-AA5F-B497BB508BAA}"/>
                 </a:ext>
                 <a:ext uri="{C183D7F6-B498-43B3-948B-1728B52AA6E4}">
-                  <adec:decorative xmlns:adec="http://schemas.microsoft.com/office/drawing/2017/decorative" val="1"/>
+                  <adec:decorative xmlns:adec="http://schemas.microsoft.com/office/drawing/2017/decorative" xmlns="" val="1"/>
                 </a:ext>
               </a:extLst>
             </p:cNvPr>
@@ -23455,7 +23609,7 @@
                 <a16:creationId xmlns:a16="http://schemas.microsoft.com/office/drawing/2014/main" id="{C7C269D6-4089-4585-BC8A-617B2CFE392D}"/>
               </a:ext>
               <a:ext uri="{C183D7F6-B498-43B3-948B-1728B52AA6E4}">
-                <adec:decorative xmlns:adec="http://schemas.microsoft.com/office/drawing/2017/decorative" val="1"/>
+                <adec:decorative xmlns:adec="http://schemas.microsoft.com/office/drawing/2017/decorative" xmlns="" val="1"/>
               </a:ext>
             </a:extLst>
           </p:cNvPr>
@@ -23623,7 +23777,7 @@
                 <a16:creationId xmlns:a16="http://schemas.microsoft.com/office/drawing/2014/main" id="{3F6CF848-6786-4545-9B03-0AB22F0B33F0}"/>
               </a:ext>
               <a:ext uri="{C183D7F6-B498-43B3-948B-1728B52AA6E4}">
-                <adec:decorative xmlns:adec="http://schemas.microsoft.com/office/drawing/2017/decorative" val="1"/>
+                <adec:decorative xmlns:adec="http://schemas.microsoft.com/office/drawing/2017/decorative" xmlns="" val="1"/>
               </a:ext>
             </a:extLst>
           </p:cNvPr>
@@ -23678,7 +23832,7 @@
                 <a16:creationId xmlns:a16="http://schemas.microsoft.com/office/drawing/2014/main" id="{7FE41089-2B16-46EC-8DA7-57D84A35B1F6}"/>
               </a:ext>
               <a:ext uri="{C183D7F6-B498-43B3-948B-1728B52AA6E4}">
-                <adec:decorative xmlns:adec="http://schemas.microsoft.com/office/drawing/2017/decorative" val="1"/>
+                <adec:decorative xmlns:adec="http://schemas.microsoft.com/office/drawing/2017/decorative" xmlns="" val="1"/>
               </a:ext>
             </a:extLst>
           </p:cNvPr>
@@ -23744,7 +23898,7 @@
                 <a16:creationId xmlns:a16="http://schemas.microsoft.com/office/drawing/2014/main" id="{AD57F732-918A-4B69-8493-0484C5D2C268}"/>
               </a:ext>
               <a:ext uri="{C183D7F6-B498-43B3-948B-1728B52AA6E4}">
-                <adec:decorative xmlns:adec="http://schemas.microsoft.com/office/drawing/2017/decorative" val="1"/>
+                <adec:decorative xmlns:adec="http://schemas.microsoft.com/office/drawing/2017/decorative" xmlns="" val="1"/>
               </a:ext>
             </a:extLst>
           </p:cNvPr>
@@ -24174,7 +24328,7 @@
                 <a16:creationId xmlns:a16="http://schemas.microsoft.com/office/drawing/2014/main" id="{4B0FA309-807F-4C17-98EF-A3BA7388E213}"/>
               </a:ext>
               <a:ext uri="{C183D7F6-B498-43B3-948B-1728B52AA6E4}">
-                <adec:decorative xmlns:adec="http://schemas.microsoft.com/office/drawing/2017/decorative" val="1"/>
+                <adec:decorative xmlns:adec="http://schemas.microsoft.com/office/drawing/2017/decorative" xmlns="" val="1"/>
               </a:ext>
             </a:extLst>
           </p:cNvPr>
@@ -24234,7 +24388,7 @@
                 <a16:creationId xmlns:a16="http://schemas.microsoft.com/office/drawing/2014/main" id="{2642A87B-CAE9-4F8F-B293-28388E45D9EE}"/>
               </a:ext>
               <a:ext uri="{C183D7F6-B498-43B3-948B-1728B52AA6E4}">
-                <adec:decorative xmlns:adec="http://schemas.microsoft.com/office/drawing/2017/decorative" val="1"/>
+                <adec:decorative xmlns:adec="http://schemas.microsoft.com/office/drawing/2017/decorative" xmlns="" val="1"/>
               </a:ext>
             </a:extLst>
           </p:cNvPr>
@@ -24280,7 +24434,7 @@
                 <a16:creationId xmlns:a16="http://schemas.microsoft.com/office/drawing/2014/main" id="{C8FA1749-B91A-40E7-AD01-0B9C9C6AF74E}"/>
               </a:ext>
               <a:ext uri="{C183D7F6-B498-43B3-948B-1728B52AA6E4}">
-                <adec:decorative xmlns:adec="http://schemas.microsoft.com/office/drawing/2017/decorative" val="1"/>
+                <adec:decorative xmlns:adec="http://schemas.microsoft.com/office/drawing/2017/decorative" xmlns="" val="1"/>
               </a:ext>
             </a:extLst>
           </p:cNvPr>
@@ -24343,7 +24497,7 @@
                 <a16:creationId xmlns:a16="http://schemas.microsoft.com/office/drawing/2014/main" id="{3B7A934F-FFF7-4353-83D3-4EF66E93EEF8}"/>
               </a:ext>
               <a:ext uri="{C183D7F6-B498-43B3-948B-1728B52AA6E4}">
-                <adec:decorative xmlns:adec="http://schemas.microsoft.com/office/drawing/2017/decorative" val="1"/>
+                <adec:decorative xmlns:adec="http://schemas.microsoft.com/office/drawing/2017/decorative" xmlns="" val="1"/>
               </a:ext>
             </a:extLst>
           </p:cNvPr>
@@ -24388,7 +24542,7 @@
                 <a16:creationId xmlns:a16="http://schemas.microsoft.com/office/drawing/2014/main" id="{700676C8-6DE8-47DD-9A23-D42063A12E10}"/>
               </a:ext>
               <a:ext uri="{C183D7F6-B498-43B3-948B-1728B52AA6E4}">
-                <adec:decorative xmlns:adec="http://schemas.microsoft.com/office/drawing/2017/decorative" val="1"/>
+                <adec:decorative xmlns:adec="http://schemas.microsoft.com/office/drawing/2017/decorative" xmlns="" val="1"/>
               </a:ext>
             </a:extLst>
           </p:cNvPr>
@@ -24553,6 +24707,13 @@
   <p:clrMapOvr>
     <a:masterClrMapping/>
   </p:clrMapOvr>
+  <p:timing>
+    <p:tnLst>
+      <p:par>
+        <p:cTn id="1" dur="indefinite" restart="never" nodeType="tmRoot"/>
+      </p:par>
+    </p:tnLst>
+  </p:timing>
 </p:sld>
 </file>
 
@@ -24616,7 +24777,7 @@
                 <a16:creationId xmlns:a16="http://schemas.microsoft.com/office/drawing/2014/main" id="{4B0FA309-807F-4C17-98EF-A3BA7388E213}"/>
               </a:ext>
               <a:ext uri="{C183D7F6-B498-43B3-948B-1728B52AA6E4}">
-                <adec:decorative xmlns:adec="http://schemas.microsoft.com/office/drawing/2017/decorative" val="1"/>
+                <adec:decorative xmlns:adec="http://schemas.microsoft.com/office/drawing/2017/decorative" xmlns="" val="1"/>
               </a:ext>
             </a:extLst>
           </p:cNvPr>
@@ -24676,7 +24837,7 @@
                 <a16:creationId xmlns:a16="http://schemas.microsoft.com/office/drawing/2014/main" id="{2642A87B-CAE9-4F8F-B293-28388E45D9EE}"/>
               </a:ext>
               <a:ext uri="{C183D7F6-B498-43B3-948B-1728B52AA6E4}">
-                <adec:decorative xmlns:adec="http://schemas.microsoft.com/office/drawing/2017/decorative" val="1"/>
+                <adec:decorative xmlns:adec="http://schemas.microsoft.com/office/drawing/2017/decorative" xmlns="" val="1"/>
               </a:ext>
             </a:extLst>
           </p:cNvPr>
@@ -24722,7 +24883,7 @@
                 <a16:creationId xmlns:a16="http://schemas.microsoft.com/office/drawing/2014/main" id="{C8FA1749-B91A-40E7-AD01-0B9C9C6AF74E}"/>
               </a:ext>
               <a:ext uri="{C183D7F6-B498-43B3-948B-1728B52AA6E4}">
-                <adec:decorative xmlns:adec="http://schemas.microsoft.com/office/drawing/2017/decorative" val="1"/>
+                <adec:decorative xmlns:adec="http://schemas.microsoft.com/office/drawing/2017/decorative" xmlns="" val="1"/>
               </a:ext>
             </a:extLst>
           </p:cNvPr>
@@ -24785,7 +24946,7 @@
                 <a16:creationId xmlns:a16="http://schemas.microsoft.com/office/drawing/2014/main" id="{3B7A934F-FFF7-4353-83D3-4EF66E93EEF8}"/>
               </a:ext>
               <a:ext uri="{C183D7F6-B498-43B3-948B-1728B52AA6E4}">
-                <adec:decorative xmlns:adec="http://schemas.microsoft.com/office/drawing/2017/decorative" val="1"/>
+                <adec:decorative xmlns:adec="http://schemas.microsoft.com/office/drawing/2017/decorative" xmlns="" val="1"/>
               </a:ext>
             </a:extLst>
           </p:cNvPr>
@@ -24830,7 +24991,7 @@
                 <a16:creationId xmlns:a16="http://schemas.microsoft.com/office/drawing/2014/main" id="{700676C8-6DE8-47DD-9A23-D42063A12E10}"/>
               </a:ext>
               <a:ext uri="{C183D7F6-B498-43B3-948B-1728B52AA6E4}">
-                <adec:decorative xmlns:adec="http://schemas.microsoft.com/office/drawing/2017/decorative" val="1"/>
+                <adec:decorative xmlns:adec="http://schemas.microsoft.com/office/drawing/2017/decorative" xmlns="" val="1"/>
               </a:ext>
             </a:extLst>
           </p:cNvPr>
@@ -24985,6 +25146,13 @@
   <p:clrMapOvr>
     <a:masterClrMapping/>
   </p:clrMapOvr>
+  <p:timing>
+    <p:tnLst>
+      <p:par>
+        <p:cTn id="1" dur="indefinite" restart="never" nodeType="tmRoot"/>
+      </p:par>
+    </p:tnLst>
+  </p:timing>
 </p:sld>
 </file>
 
@@ -25048,7 +25216,7 @@
                 <a16:creationId xmlns:a16="http://schemas.microsoft.com/office/drawing/2014/main" id="{4B0FA309-807F-4C17-98EF-A3BA7388E213}"/>
               </a:ext>
               <a:ext uri="{C183D7F6-B498-43B3-948B-1728B52AA6E4}">
-                <adec:decorative xmlns:adec="http://schemas.microsoft.com/office/drawing/2017/decorative" val="1"/>
+                <adec:decorative xmlns:adec="http://schemas.microsoft.com/office/drawing/2017/decorative" xmlns="" val="1"/>
               </a:ext>
             </a:extLst>
           </p:cNvPr>
@@ -25108,7 +25276,7 @@
                 <a16:creationId xmlns:a16="http://schemas.microsoft.com/office/drawing/2014/main" id="{2642A87B-CAE9-4F8F-B293-28388E45D9EE}"/>
               </a:ext>
               <a:ext uri="{C183D7F6-B498-43B3-948B-1728B52AA6E4}">
-                <adec:decorative xmlns:adec="http://schemas.microsoft.com/office/drawing/2017/decorative" val="1"/>
+                <adec:decorative xmlns:adec="http://schemas.microsoft.com/office/drawing/2017/decorative" xmlns="" val="1"/>
               </a:ext>
             </a:extLst>
           </p:cNvPr>
@@ -25154,7 +25322,7 @@
                 <a16:creationId xmlns:a16="http://schemas.microsoft.com/office/drawing/2014/main" id="{C8FA1749-B91A-40E7-AD01-0B9C9C6AF74E}"/>
               </a:ext>
               <a:ext uri="{C183D7F6-B498-43B3-948B-1728B52AA6E4}">
-                <adec:decorative xmlns:adec="http://schemas.microsoft.com/office/drawing/2017/decorative" val="1"/>
+                <adec:decorative xmlns:adec="http://schemas.microsoft.com/office/drawing/2017/decorative" xmlns="" val="1"/>
               </a:ext>
             </a:extLst>
           </p:cNvPr>
@@ -25217,7 +25385,7 @@
                 <a16:creationId xmlns:a16="http://schemas.microsoft.com/office/drawing/2014/main" id="{3B7A934F-FFF7-4353-83D3-4EF66E93EEF8}"/>
               </a:ext>
               <a:ext uri="{C183D7F6-B498-43B3-948B-1728B52AA6E4}">
-                <adec:decorative xmlns:adec="http://schemas.microsoft.com/office/drawing/2017/decorative" val="1"/>
+                <adec:decorative xmlns:adec="http://schemas.microsoft.com/office/drawing/2017/decorative" xmlns="" val="1"/>
               </a:ext>
             </a:extLst>
           </p:cNvPr>
@@ -25262,7 +25430,7 @@
                 <a16:creationId xmlns:a16="http://schemas.microsoft.com/office/drawing/2014/main" id="{700676C8-6DE8-47DD-9A23-D42063A12E10}"/>
               </a:ext>
               <a:ext uri="{C183D7F6-B498-43B3-948B-1728B52AA6E4}">
-                <adec:decorative xmlns:adec="http://schemas.microsoft.com/office/drawing/2017/decorative" val="1"/>
+                <adec:decorative xmlns:adec="http://schemas.microsoft.com/office/drawing/2017/decorative" xmlns="" val="1"/>
               </a:ext>
             </a:extLst>
           </p:cNvPr>
@@ -25482,6 +25650,13 @@
   <p:clrMapOvr>
     <a:masterClrMapping/>
   </p:clrMapOvr>
+  <p:timing>
+    <p:tnLst>
+      <p:par>
+        <p:cTn id="1" dur="indefinite" restart="never" nodeType="tmRoot"/>
+      </p:par>
+    </p:tnLst>
+  </p:timing>
 </p:sld>
 </file>
 
@@ -25545,7 +25720,7 @@
                 <a16:creationId xmlns:a16="http://schemas.microsoft.com/office/drawing/2014/main" id="{4B0FA309-807F-4C17-98EF-A3BA7388E213}"/>
               </a:ext>
               <a:ext uri="{C183D7F6-B498-43B3-948B-1728B52AA6E4}">
-                <adec:decorative xmlns:adec="http://schemas.microsoft.com/office/drawing/2017/decorative" val="1"/>
+                <adec:decorative xmlns:adec="http://schemas.microsoft.com/office/drawing/2017/decorative" xmlns="" val="1"/>
               </a:ext>
             </a:extLst>
           </p:cNvPr>
@@ -25605,7 +25780,7 @@
                 <a16:creationId xmlns:a16="http://schemas.microsoft.com/office/drawing/2014/main" id="{2642A87B-CAE9-4F8F-B293-28388E45D9EE}"/>
               </a:ext>
               <a:ext uri="{C183D7F6-B498-43B3-948B-1728B52AA6E4}">
-                <adec:decorative xmlns:adec="http://schemas.microsoft.com/office/drawing/2017/decorative" val="1"/>
+                <adec:decorative xmlns:adec="http://schemas.microsoft.com/office/drawing/2017/decorative" xmlns="" val="1"/>
               </a:ext>
             </a:extLst>
           </p:cNvPr>
@@ -25651,7 +25826,7 @@
                 <a16:creationId xmlns:a16="http://schemas.microsoft.com/office/drawing/2014/main" id="{C8FA1749-B91A-40E7-AD01-0B9C9C6AF74E}"/>
               </a:ext>
               <a:ext uri="{C183D7F6-B498-43B3-948B-1728B52AA6E4}">
-                <adec:decorative xmlns:adec="http://schemas.microsoft.com/office/drawing/2017/decorative" val="1"/>
+                <adec:decorative xmlns:adec="http://schemas.microsoft.com/office/drawing/2017/decorative" xmlns="" val="1"/>
               </a:ext>
             </a:extLst>
           </p:cNvPr>
@@ -25714,7 +25889,7 @@
                 <a16:creationId xmlns:a16="http://schemas.microsoft.com/office/drawing/2014/main" id="{3B7A934F-FFF7-4353-83D3-4EF66E93EEF8}"/>
               </a:ext>
               <a:ext uri="{C183D7F6-B498-43B3-948B-1728B52AA6E4}">
-                <adec:decorative xmlns:adec="http://schemas.microsoft.com/office/drawing/2017/decorative" val="1"/>
+                <adec:decorative xmlns:adec="http://schemas.microsoft.com/office/drawing/2017/decorative" xmlns="" val="1"/>
               </a:ext>
             </a:extLst>
           </p:cNvPr>
@@ -25759,7 +25934,7 @@
                 <a16:creationId xmlns:a16="http://schemas.microsoft.com/office/drawing/2014/main" id="{700676C8-6DE8-47DD-9A23-D42063A12E10}"/>
               </a:ext>
               <a:ext uri="{C183D7F6-B498-43B3-948B-1728B52AA6E4}">
-                <adec:decorative xmlns:adec="http://schemas.microsoft.com/office/drawing/2017/decorative" val="1"/>
+                <adec:decorative xmlns:adec="http://schemas.microsoft.com/office/drawing/2017/decorative" xmlns="" val="1"/>
               </a:ext>
             </a:extLst>
           </p:cNvPr>
@@ -26036,6 +26211,13 @@
   <p:clrMapOvr>
     <a:masterClrMapping/>
   </p:clrMapOvr>
+  <p:timing>
+    <p:tnLst>
+      <p:par>
+        <p:cTn id="1" dur="indefinite" restart="never" nodeType="tmRoot"/>
+      </p:par>
+    </p:tnLst>
+  </p:timing>
 </p:sld>
 </file>
 
@@ -26099,7 +26281,7 @@
                 <a16:creationId xmlns:a16="http://schemas.microsoft.com/office/drawing/2014/main" id="{4B0FA309-807F-4C17-98EF-A3BA7388E213}"/>
               </a:ext>
               <a:ext uri="{C183D7F6-B498-43B3-948B-1728B52AA6E4}">
-                <adec:decorative xmlns:adec="http://schemas.microsoft.com/office/drawing/2017/decorative" val="1"/>
+                <adec:decorative xmlns:adec="http://schemas.microsoft.com/office/drawing/2017/decorative" xmlns="" val="1"/>
               </a:ext>
             </a:extLst>
           </p:cNvPr>
@@ -26159,7 +26341,7 @@
                 <a16:creationId xmlns:a16="http://schemas.microsoft.com/office/drawing/2014/main" id="{2642A87B-CAE9-4F8F-B293-28388E45D9EE}"/>
               </a:ext>
               <a:ext uri="{C183D7F6-B498-43B3-948B-1728B52AA6E4}">
-                <adec:decorative xmlns:adec="http://schemas.microsoft.com/office/drawing/2017/decorative" val="1"/>
+                <adec:decorative xmlns:adec="http://schemas.microsoft.com/office/drawing/2017/decorative" xmlns="" val="1"/>
               </a:ext>
             </a:extLst>
           </p:cNvPr>
@@ -26205,7 +26387,7 @@
                 <a16:creationId xmlns:a16="http://schemas.microsoft.com/office/drawing/2014/main" id="{C8FA1749-B91A-40E7-AD01-0B9C9C6AF74E}"/>
               </a:ext>
               <a:ext uri="{C183D7F6-B498-43B3-948B-1728B52AA6E4}">
-                <adec:decorative xmlns:adec="http://schemas.microsoft.com/office/drawing/2017/decorative" val="1"/>
+                <adec:decorative xmlns:adec="http://schemas.microsoft.com/office/drawing/2017/decorative" xmlns="" val="1"/>
               </a:ext>
             </a:extLst>
           </p:cNvPr>
@@ -26268,7 +26450,7 @@
                 <a16:creationId xmlns:a16="http://schemas.microsoft.com/office/drawing/2014/main" id="{3B7A934F-FFF7-4353-83D3-4EF66E93EEF8}"/>
               </a:ext>
               <a:ext uri="{C183D7F6-B498-43B3-948B-1728B52AA6E4}">
-                <adec:decorative xmlns:adec="http://schemas.microsoft.com/office/drawing/2017/decorative" val="1"/>
+                <adec:decorative xmlns:adec="http://schemas.microsoft.com/office/drawing/2017/decorative" xmlns="" val="1"/>
               </a:ext>
             </a:extLst>
           </p:cNvPr>
@@ -26313,7 +26495,7 @@
                 <a16:creationId xmlns:a16="http://schemas.microsoft.com/office/drawing/2014/main" id="{700676C8-6DE8-47DD-9A23-D42063A12E10}"/>
               </a:ext>
               <a:ext uri="{C183D7F6-B498-43B3-948B-1728B52AA6E4}">
-                <adec:decorative xmlns:adec="http://schemas.microsoft.com/office/drawing/2017/decorative" val="1"/>
+                <adec:decorative xmlns:adec="http://schemas.microsoft.com/office/drawing/2017/decorative" xmlns="" val="1"/>
               </a:ext>
             </a:extLst>
           </p:cNvPr>
@@ -26517,6 +26699,13 @@
   <p:clrMapOvr>
     <a:masterClrMapping/>
   </p:clrMapOvr>
+  <p:timing>
+    <p:tnLst>
+      <p:par>
+        <p:cTn id="1" dur="indefinite" restart="never" nodeType="tmRoot"/>
+      </p:par>
+    </p:tnLst>
+  </p:timing>
 </p:sld>
 </file>
 
@@ -26580,7 +26769,7 @@
                 <a16:creationId xmlns:a16="http://schemas.microsoft.com/office/drawing/2014/main" id="{4B0FA309-807F-4C17-98EF-A3BA7388E213}"/>
               </a:ext>
               <a:ext uri="{C183D7F6-B498-43B3-948B-1728B52AA6E4}">
-                <adec:decorative xmlns:adec="http://schemas.microsoft.com/office/drawing/2017/decorative" val="1"/>
+                <adec:decorative xmlns:adec="http://schemas.microsoft.com/office/drawing/2017/decorative" xmlns="" val="1"/>
               </a:ext>
             </a:extLst>
           </p:cNvPr>
@@ -26640,7 +26829,7 @@
                 <a16:creationId xmlns:a16="http://schemas.microsoft.com/office/drawing/2014/main" id="{2642A87B-CAE9-4F8F-B293-28388E45D9EE}"/>
               </a:ext>
               <a:ext uri="{C183D7F6-B498-43B3-948B-1728B52AA6E4}">
-                <adec:decorative xmlns:adec="http://schemas.microsoft.com/office/drawing/2017/decorative" val="1"/>
+                <adec:decorative xmlns:adec="http://schemas.microsoft.com/office/drawing/2017/decorative" xmlns="" val="1"/>
               </a:ext>
             </a:extLst>
           </p:cNvPr>
@@ -26686,7 +26875,7 @@
                 <a16:creationId xmlns:a16="http://schemas.microsoft.com/office/drawing/2014/main" id="{C8FA1749-B91A-40E7-AD01-0B9C9C6AF74E}"/>
               </a:ext>
               <a:ext uri="{C183D7F6-B498-43B3-948B-1728B52AA6E4}">
-                <adec:decorative xmlns:adec="http://schemas.microsoft.com/office/drawing/2017/decorative" val="1"/>
+                <adec:decorative xmlns:adec="http://schemas.microsoft.com/office/drawing/2017/decorative" xmlns="" val="1"/>
               </a:ext>
             </a:extLst>
           </p:cNvPr>
@@ -26749,7 +26938,7 @@
                 <a16:creationId xmlns:a16="http://schemas.microsoft.com/office/drawing/2014/main" id="{3B7A934F-FFF7-4353-83D3-4EF66E93EEF8}"/>
               </a:ext>
               <a:ext uri="{C183D7F6-B498-43B3-948B-1728B52AA6E4}">
-                <adec:decorative xmlns:adec="http://schemas.microsoft.com/office/drawing/2017/decorative" val="1"/>
+                <adec:decorative xmlns:adec="http://schemas.microsoft.com/office/drawing/2017/decorative" xmlns="" val="1"/>
               </a:ext>
             </a:extLst>
           </p:cNvPr>
@@ -26794,7 +26983,7 @@
                 <a16:creationId xmlns:a16="http://schemas.microsoft.com/office/drawing/2014/main" id="{700676C8-6DE8-47DD-9A23-D42063A12E10}"/>
               </a:ext>
               <a:ext uri="{C183D7F6-B498-43B3-948B-1728B52AA6E4}">
-                <adec:decorative xmlns:adec="http://schemas.microsoft.com/office/drawing/2017/decorative" val="1"/>
+                <adec:decorative xmlns:adec="http://schemas.microsoft.com/office/drawing/2017/decorative" xmlns="" val="1"/>
               </a:ext>
             </a:extLst>
           </p:cNvPr>
@@ -26988,6 +27177,13 @@
   <p:clrMapOvr>
     <a:masterClrMapping/>
   </p:clrMapOvr>
+  <p:timing>
+    <p:tnLst>
+      <p:par>
+        <p:cTn id="1" dur="indefinite" restart="never" nodeType="tmRoot"/>
+      </p:par>
+    </p:tnLst>
+  </p:timing>
 </p:sld>
 </file>
 
@@ -27051,7 +27247,7 @@
                 <a16:creationId xmlns:a16="http://schemas.microsoft.com/office/drawing/2014/main" id="{57D13521-EAD4-4B23-AE18-3B70AAE67207}"/>
               </a:ext>
               <a:ext uri="{C183D7F6-B498-43B3-948B-1728B52AA6E4}">
-                <adec:decorative xmlns:adec="http://schemas.microsoft.com/office/drawing/2017/decorative" val="1"/>
+                <adec:decorative xmlns:adec="http://schemas.microsoft.com/office/drawing/2017/decorative" xmlns="" val="1"/>
               </a:ext>
             </a:extLst>
           </p:cNvPr>
@@ -27111,7 +27307,7 @@
                 <a16:creationId xmlns:a16="http://schemas.microsoft.com/office/drawing/2014/main" id="{A2EAC6A1-B9AD-4F52-8BFC-D974236C5213}"/>
               </a:ext>
               <a:ext uri="{C183D7F6-B498-43B3-948B-1728B52AA6E4}">
-                <adec:decorative xmlns:adec="http://schemas.microsoft.com/office/drawing/2017/decorative" val="1"/>
+                <adec:decorative xmlns:adec="http://schemas.microsoft.com/office/drawing/2017/decorative" xmlns="" val="1"/>
               </a:ext>
             </a:extLst>
           </p:cNvPr>
@@ -27157,7 +27353,7 @@
                 <a16:creationId xmlns:a16="http://schemas.microsoft.com/office/drawing/2014/main" id="{2632991A-5881-4C0B-BE55-86E6541DB583}"/>
               </a:ext>
               <a:ext uri="{C183D7F6-B498-43B3-948B-1728B52AA6E4}">
-                <adec:decorative xmlns:adec="http://schemas.microsoft.com/office/drawing/2017/decorative" val="1"/>
+                <adec:decorative xmlns:adec="http://schemas.microsoft.com/office/drawing/2017/decorative" xmlns="" val="1"/>
               </a:ext>
             </a:extLst>
           </p:cNvPr>
@@ -27217,7 +27413,7 @@
                 <a16:creationId xmlns:a16="http://schemas.microsoft.com/office/drawing/2014/main" id="{4FF107A9-A609-4BE3-AC8C-8A7ABC2E5C35}"/>
               </a:ext>
               <a:ext uri="{C183D7F6-B498-43B3-948B-1728B52AA6E4}">
-                <adec:decorative xmlns:adec="http://schemas.microsoft.com/office/drawing/2017/decorative" val="1"/>
+                <adec:decorative xmlns:adec="http://schemas.microsoft.com/office/drawing/2017/decorative" xmlns="" val="1"/>
               </a:ext>
             </a:extLst>
           </p:cNvPr>
@@ -27262,7 +27458,7 @@
                 <a16:creationId xmlns:a16="http://schemas.microsoft.com/office/drawing/2014/main" id="{65AB5407-0F8D-4F52-80FD-7B7BCB7DB59E}"/>
               </a:ext>
               <a:ext uri="{C183D7F6-B498-43B3-948B-1728B52AA6E4}">
-                <adec:decorative xmlns:adec="http://schemas.microsoft.com/office/drawing/2017/decorative" val="1"/>
+                <adec:decorative xmlns:adec="http://schemas.microsoft.com/office/drawing/2017/decorative" xmlns="" val="1"/>
               </a:ext>
             </a:extLst>
           </p:cNvPr>
@@ -27367,7 +27563,7 @@
             <p:ph idx="1"/>
             <p:extLst>
               <p:ext uri="{D42A27DB-BD31-4B8C-83A1-F6EECF244321}">
-                <p14:modId xmlns:p14="http://schemas.microsoft.com/office/powerpoint/2010/main" val="4271919591"/>
+                <p14:modId xmlns:p14="http://schemas.microsoft.com/office/powerpoint/2010/main" val="3671953599"/>
               </p:ext>
             </p:extLst>
           </p:nvPr>
@@ -27392,6 +27588,13 @@
   <p:clrMapOvr>
     <a:masterClrMapping/>
   </p:clrMapOvr>
+  <p:timing>
+    <p:tnLst>
+      <p:par>
+        <p:cTn id="1" dur="indefinite" restart="never" nodeType="tmRoot"/>
+      </p:par>
+    </p:tnLst>
+  </p:timing>
 </p:sld>
 </file>
 
@@ -27455,7 +27658,7 @@
                 <a16:creationId xmlns:a16="http://schemas.microsoft.com/office/drawing/2014/main" id="{9B9C2B48-3899-4B1D-B526-C35DFD16BC01}"/>
               </a:ext>
               <a:ext uri="{C183D7F6-B498-43B3-948B-1728B52AA6E4}">
-                <adec:decorative xmlns:adec="http://schemas.microsoft.com/office/drawing/2017/decorative" val="1"/>
+                <adec:decorative xmlns:adec="http://schemas.microsoft.com/office/drawing/2017/decorative" xmlns="" val="1"/>
               </a:ext>
             </a:extLst>
           </p:cNvPr>
@@ -27501,7 +27704,7 @@
                 <a16:creationId xmlns:a16="http://schemas.microsoft.com/office/drawing/2014/main" id="{1A89A43D-53DA-411B-94AD-DEEF9B654AF3}"/>
               </a:ext>
               <a:ext uri="{C183D7F6-B498-43B3-948B-1728B52AA6E4}">
-                <adec:decorative xmlns:adec="http://schemas.microsoft.com/office/drawing/2017/decorative" val="1"/>
+                <adec:decorative xmlns:adec="http://schemas.microsoft.com/office/drawing/2017/decorative" xmlns="" val="1"/>
               </a:ext>
             </a:extLst>
           </p:cNvPr>
@@ -27546,7 +27749,7 @@
                 <a16:creationId xmlns:a16="http://schemas.microsoft.com/office/drawing/2014/main" id="{5D844A84-2EA4-4FF5-83FD-E14C9E8D7226}"/>
               </a:ext>
               <a:ext uri="{C183D7F6-B498-43B3-948B-1728B52AA6E4}">
-                <adec:decorative xmlns:adec="http://schemas.microsoft.com/office/drawing/2017/decorative" val="1"/>
+                <adec:decorative xmlns:adec="http://schemas.microsoft.com/office/drawing/2017/decorative" xmlns="" val="1"/>
               </a:ext>
             </a:extLst>
           </p:cNvPr>
@@ -27591,7 +27794,7 @@
                 <a16:creationId xmlns:a16="http://schemas.microsoft.com/office/drawing/2014/main" id="{6A23D1B2-B408-4913-9A1D-051C9DB38D55}"/>
               </a:ext>
               <a:ext uri="{C183D7F6-B498-43B3-948B-1728B52AA6E4}">
-                <adec:decorative xmlns:adec="http://schemas.microsoft.com/office/drawing/2017/decorative" val="1"/>
+                <adec:decorative xmlns:adec="http://schemas.microsoft.com/office/drawing/2017/decorative" xmlns="" val="1"/>
               </a:ext>
             </a:extLst>
           </p:cNvPr>
@@ -27649,7 +27852,7 @@
                 <a16:creationId xmlns:a16="http://schemas.microsoft.com/office/drawing/2014/main" id="{0189E329-C38B-4230-A181-B6B8BB9E1430}"/>
               </a:ext>
               <a:ext uri="{C183D7F6-B498-43B3-948B-1728B52AA6E4}">
-                <adec:decorative xmlns:adec="http://schemas.microsoft.com/office/drawing/2017/decorative" val="1"/>
+                <adec:decorative xmlns:adec="http://schemas.microsoft.com/office/drawing/2017/decorative" xmlns="" val="1"/>
               </a:ext>
             </a:extLst>
           </p:cNvPr>
@@ -27704,7 +27907,7 @@
                 <a16:creationId xmlns:a16="http://schemas.microsoft.com/office/drawing/2014/main" id="{D77D54DE-D35C-41CF-B0BE-209030A71DB1}"/>
               </a:ext>
               <a:ext uri="{C183D7F6-B498-43B3-948B-1728B52AA6E4}">
-                <adec:decorative xmlns:adec="http://schemas.microsoft.com/office/drawing/2017/decorative" val="1"/>
+                <adec:decorative xmlns:adec="http://schemas.microsoft.com/office/drawing/2017/decorative" xmlns="" val="1"/>
               </a:ext>
             </a:extLst>
           </p:cNvPr>
@@ -27764,7 +27967,7 @@
                 <a16:creationId xmlns:a16="http://schemas.microsoft.com/office/drawing/2014/main" id="{C1BE412D-E43A-40F7-9D40-9A608E43CD4A}"/>
               </a:ext>
               <a:ext uri="{C183D7F6-B498-43B3-948B-1728B52AA6E4}">
-                <adec:decorative xmlns:adec="http://schemas.microsoft.com/office/drawing/2017/decorative" val="1"/>
+                <adec:decorative xmlns:adec="http://schemas.microsoft.com/office/drawing/2017/decorative" xmlns="" val="1"/>
               </a:ext>
             </a:extLst>
           </p:cNvPr>
@@ -27810,7 +28013,7 @@
                 <a16:creationId xmlns:a16="http://schemas.microsoft.com/office/drawing/2014/main" id="{7F1DCE60-EE3E-40AD-A094-D46BBD7D912A}"/>
               </a:ext>
               <a:ext uri="{C183D7F6-B498-43B3-948B-1728B52AA6E4}">
-                <adec:decorative xmlns:adec="http://schemas.microsoft.com/office/drawing/2017/decorative" val="1"/>
+                <adec:decorative xmlns:adec="http://schemas.microsoft.com/office/drawing/2017/decorative" xmlns="" val="1"/>
               </a:ext>
             </a:extLst>
           </p:cNvPr>
@@ -27870,7 +28073,7 @@
                 <a16:creationId xmlns:a16="http://schemas.microsoft.com/office/drawing/2014/main" id="{0FD92A14-1D99-4216-ACAD-12048C4DF9B0}"/>
               </a:ext>
               <a:ext uri="{C183D7F6-B498-43B3-948B-1728B52AA6E4}">
-                <adec:decorative xmlns:adec="http://schemas.microsoft.com/office/drawing/2017/decorative" val="1"/>
+                <adec:decorative xmlns:adec="http://schemas.microsoft.com/office/drawing/2017/decorative" xmlns="" val="1"/>
               </a:ext>
             </a:extLst>
           </p:cNvPr>
@@ -27915,7 +28118,7 @@
                 <a16:creationId xmlns:a16="http://schemas.microsoft.com/office/drawing/2014/main" id="{85AB53B8-E9E6-4D13-AEB2-716CF5D06CDC}"/>
               </a:ext>
               <a:ext uri="{C183D7F6-B498-43B3-948B-1728B52AA6E4}">
-                <adec:decorative xmlns:adec="http://schemas.microsoft.com/office/drawing/2017/decorative" val="1"/>
+                <adec:decorative xmlns:adec="http://schemas.microsoft.com/office/drawing/2017/decorative" xmlns="" val="1"/>
               </a:ext>
             </a:extLst>
           </p:cNvPr>
@@ -28101,6 +28304,13 @@
   <p:clrMapOvr>
     <a:masterClrMapping/>
   </p:clrMapOvr>
+  <p:timing>
+    <p:tnLst>
+      <p:par>
+        <p:cTn id="1" dur="indefinite" restart="never" nodeType="tmRoot"/>
+      </p:par>
+    </p:tnLst>
+  </p:timing>
 </p:sld>
 </file>
 
@@ -28164,7 +28374,7 @@
                 <a16:creationId xmlns:a16="http://schemas.microsoft.com/office/drawing/2014/main" id="{4B0FA309-807F-4C17-98EF-A3BA7388E213}"/>
               </a:ext>
               <a:ext uri="{C183D7F6-B498-43B3-948B-1728B52AA6E4}">
-                <adec:decorative xmlns:adec="http://schemas.microsoft.com/office/drawing/2017/decorative" val="1"/>
+                <adec:decorative xmlns:adec="http://schemas.microsoft.com/office/drawing/2017/decorative" xmlns="" val="1"/>
               </a:ext>
             </a:extLst>
           </p:cNvPr>
@@ -28224,7 +28434,7 @@
                 <a16:creationId xmlns:a16="http://schemas.microsoft.com/office/drawing/2014/main" id="{2642A87B-CAE9-4F8F-B293-28388E45D9EE}"/>
               </a:ext>
               <a:ext uri="{C183D7F6-B498-43B3-948B-1728B52AA6E4}">
-                <adec:decorative xmlns:adec="http://schemas.microsoft.com/office/drawing/2017/decorative" val="1"/>
+                <adec:decorative xmlns:adec="http://schemas.microsoft.com/office/drawing/2017/decorative" xmlns="" val="1"/>
               </a:ext>
             </a:extLst>
           </p:cNvPr>
@@ -28270,7 +28480,7 @@
                 <a16:creationId xmlns:a16="http://schemas.microsoft.com/office/drawing/2014/main" id="{C8FA1749-B91A-40E7-AD01-0B9C9C6AF74E}"/>
               </a:ext>
               <a:ext uri="{C183D7F6-B498-43B3-948B-1728B52AA6E4}">
-                <adec:decorative xmlns:adec="http://schemas.microsoft.com/office/drawing/2017/decorative" val="1"/>
+                <adec:decorative xmlns:adec="http://schemas.microsoft.com/office/drawing/2017/decorative" xmlns="" val="1"/>
               </a:ext>
             </a:extLst>
           </p:cNvPr>
@@ -28333,7 +28543,7 @@
                 <a16:creationId xmlns:a16="http://schemas.microsoft.com/office/drawing/2014/main" id="{3B7A934F-FFF7-4353-83D3-4EF66E93EEF8}"/>
               </a:ext>
               <a:ext uri="{C183D7F6-B498-43B3-948B-1728B52AA6E4}">
-                <adec:decorative xmlns:adec="http://schemas.microsoft.com/office/drawing/2017/decorative" val="1"/>
+                <adec:decorative xmlns:adec="http://schemas.microsoft.com/office/drawing/2017/decorative" xmlns="" val="1"/>
               </a:ext>
             </a:extLst>
           </p:cNvPr>
@@ -28378,7 +28588,7 @@
                 <a16:creationId xmlns:a16="http://schemas.microsoft.com/office/drawing/2014/main" id="{700676C8-6DE8-47DD-9A23-D42063A12E10}"/>
               </a:ext>
               <a:ext uri="{C183D7F6-B498-43B3-948B-1728B52AA6E4}">
-                <adec:decorative xmlns:adec="http://schemas.microsoft.com/office/drawing/2017/decorative" val="1"/>
+                <adec:decorative xmlns:adec="http://schemas.microsoft.com/office/drawing/2017/decorative" xmlns="" val="1"/>
               </a:ext>
             </a:extLst>
           </p:cNvPr>
@@ -28473,13 +28683,10 @@
       </p:sp>
       <p:pic>
         <p:nvPicPr>
-          <p:cNvPr id="5" name="Content Placeholder 4" descr="A computer screen shot&#10;&#10;Description automatically generated with low confidence">
+          <p:cNvPr id="11" name="Content Placeholder 4" descr="A picture containing text, screenshot, indoor&#10;&#10;Description automatically generated">
             <a:extLst>
               <a:ext uri="{FF2B5EF4-FFF2-40B4-BE49-F238E27FC236}">
-                <a16:creationId xmlns:a16="http://schemas.microsoft.com/office/drawing/2014/main" id="{98F369AA-B15E-428E-8AE3-651DB9D9D825}"/>
-              </a:ext>
-              <a:ext uri="{C183D7F6-B498-43B3-948B-1728B52AA6E4}">
-                <adec:decorative xmlns:adec="http://schemas.microsoft.com/office/drawing/2017/decorative" val="0"/>
+                <a16:creationId xmlns:a16="http://schemas.microsoft.com/office/drawing/2014/main" id="{C2D9693D-137D-41C0-89AC-CE89C947B790}"/>
               </a:ext>
             </a:extLst>
           </p:cNvPr>
@@ -28504,9 +28711,12 @@
         </p:blipFill>
         <p:spPr>
           <a:xfrm>
-            <a:off x="5189492" y="295422"/>
-            <a:ext cx="6782113" cy="5776766"/>
+            <a:off x="5189493" y="501805"/>
+            <a:ext cx="6693801" cy="5965901"/>
           </a:xfrm>
+          <a:prstGeom prst="rect">
+            <a:avLst/>
+          </a:prstGeom>
         </p:spPr>
       </p:pic>
     </p:spTree>
@@ -28519,6 +28729,13 @@
   <p:clrMapOvr>
     <a:masterClrMapping/>
   </p:clrMapOvr>
+  <p:timing>
+    <p:tnLst>
+      <p:par>
+        <p:cTn id="1" dur="indefinite" restart="never" nodeType="tmRoot"/>
+      </p:par>
+    </p:tnLst>
+  </p:timing>
 </p:sld>
 </file>
 
@@ -28582,7 +28799,7 @@
                 <a16:creationId xmlns:a16="http://schemas.microsoft.com/office/drawing/2014/main" id="{4B0FA309-807F-4C17-98EF-A3BA7388E213}"/>
               </a:ext>
               <a:ext uri="{C183D7F6-B498-43B3-948B-1728B52AA6E4}">
-                <adec:decorative xmlns:adec="http://schemas.microsoft.com/office/drawing/2017/decorative" val="1"/>
+                <adec:decorative xmlns:adec="http://schemas.microsoft.com/office/drawing/2017/decorative" xmlns="" val="1"/>
               </a:ext>
             </a:extLst>
           </p:cNvPr>
@@ -28642,7 +28859,7 @@
                 <a16:creationId xmlns:a16="http://schemas.microsoft.com/office/drawing/2014/main" id="{2642A87B-CAE9-4F8F-B293-28388E45D9EE}"/>
               </a:ext>
               <a:ext uri="{C183D7F6-B498-43B3-948B-1728B52AA6E4}">
-                <adec:decorative xmlns:adec="http://schemas.microsoft.com/office/drawing/2017/decorative" val="1"/>
+                <adec:decorative xmlns:adec="http://schemas.microsoft.com/office/drawing/2017/decorative" xmlns="" val="1"/>
               </a:ext>
             </a:extLst>
           </p:cNvPr>
@@ -28688,7 +28905,7 @@
                 <a16:creationId xmlns:a16="http://schemas.microsoft.com/office/drawing/2014/main" id="{C8FA1749-B91A-40E7-AD01-0B9C9C6AF74E}"/>
               </a:ext>
               <a:ext uri="{C183D7F6-B498-43B3-948B-1728B52AA6E4}">
-                <adec:decorative xmlns:adec="http://schemas.microsoft.com/office/drawing/2017/decorative" val="1"/>
+                <adec:decorative xmlns:adec="http://schemas.microsoft.com/office/drawing/2017/decorative" xmlns="" val="1"/>
               </a:ext>
             </a:extLst>
           </p:cNvPr>
@@ -28751,7 +28968,7 @@
                 <a16:creationId xmlns:a16="http://schemas.microsoft.com/office/drawing/2014/main" id="{3B7A934F-FFF7-4353-83D3-4EF66E93EEF8}"/>
               </a:ext>
               <a:ext uri="{C183D7F6-B498-43B3-948B-1728B52AA6E4}">
-                <adec:decorative xmlns:adec="http://schemas.microsoft.com/office/drawing/2017/decorative" val="1"/>
+                <adec:decorative xmlns:adec="http://schemas.microsoft.com/office/drawing/2017/decorative" xmlns="" val="1"/>
               </a:ext>
             </a:extLst>
           </p:cNvPr>
@@ -28796,7 +29013,7 @@
                 <a16:creationId xmlns:a16="http://schemas.microsoft.com/office/drawing/2014/main" id="{700676C8-6DE8-47DD-9A23-D42063A12E10}"/>
               </a:ext>
               <a:ext uri="{C183D7F6-B498-43B3-948B-1728B52AA6E4}">
-                <adec:decorative xmlns:adec="http://schemas.microsoft.com/office/drawing/2017/decorative" val="1"/>
+                <adec:decorative xmlns:adec="http://schemas.microsoft.com/office/drawing/2017/decorative" xmlns="" val="1"/>
               </a:ext>
             </a:extLst>
           </p:cNvPr>
@@ -28891,10 +29108,10 @@
       </p:sp>
       <p:pic>
         <p:nvPicPr>
-          <p:cNvPr id="5" name="Content Placeholder 4" descr="A picture containing text, screenshot, indoor&#10;&#10;Description automatically generated">
+          <p:cNvPr id="15" name="Content Placeholder 4" descr="Graphical user interface, text, application, email&#10;&#10;Description automatically generated">
             <a:extLst>
               <a:ext uri="{FF2B5EF4-FFF2-40B4-BE49-F238E27FC236}">
-                <a16:creationId xmlns:a16="http://schemas.microsoft.com/office/drawing/2014/main" id="{C2D9693D-137D-41C0-89AC-CE89C947B790}"/>
+                <a16:creationId xmlns:a16="http://schemas.microsoft.com/office/drawing/2014/main" id="{FD76CECF-01BA-41A7-879C-D3DBDE834038}"/>
               </a:ext>
             </a:extLst>
           </p:cNvPr>
@@ -28919,9 +29136,12 @@
         </p:blipFill>
         <p:spPr>
           <a:xfrm>
-            <a:off x="5099921" y="353961"/>
-            <a:ext cx="6920014" cy="5973097"/>
+            <a:off x="5360670" y="457200"/>
+            <a:ext cx="6492240" cy="5897880"/>
           </a:xfrm>
+          <a:prstGeom prst="rect">
+            <a:avLst/>
+          </a:prstGeom>
         </p:spPr>
       </p:pic>
     </p:spTree>
@@ -28934,6 +29154,13 @@
   <p:clrMapOvr>
     <a:masterClrMapping/>
   </p:clrMapOvr>
+  <p:timing>
+    <p:tnLst>
+      <p:par>
+        <p:cTn id="1" dur="indefinite" restart="never" nodeType="tmRoot"/>
+      </p:par>
+    </p:tnLst>
+  </p:timing>
 </p:sld>
 </file>
 
@@ -28997,7 +29224,7 @@
                 <a16:creationId xmlns:a16="http://schemas.microsoft.com/office/drawing/2014/main" id="{57D13521-EAD4-4B23-AE18-3B70AAE67207}"/>
               </a:ext>
               <a:ext uri="{C183D7F6-B498-43B3-948B-1728B52AA6E4}">
-                <adec:decorative xmlns:adec="http://schemas.microsoft.com/office/drawing/2017/decorative" val="1"/>
+                <adec:decorative xmlns:adec="http://schemas.microsoft.com/office/drawing/2017/decorative" xmlns="" val="1"/>
               </a:ext>
             </a:extLst>
           </p:cNvPr>
@@ -29057,7 +29284,7 @@
                 <a16:creationId xmlns:a16="http://schemas.microsoft.com/office/drawing/2014/main" id="{A2EAC6A1-B9AD-4F52-8BFC-D974236C5213}"/>
               </a:ext>
               <a:ext uri="{C183D7F6-B498-43B3-948B-1728B52AA6E4}">
-                <adec:decorative xmlns:adec="http://schemas.microsoft.com/office/drawing/2017/decorative" val="1"/>
+                <adec:decorative xmlns:adec="http://schemas.microsoft.com/office/drawing/2017/decorative" xmlns="" val="1"/>
               </a:ext>
             </a:extLst>
           </p:cNvPr>
@@ -29103,7 +29330,7 @@
                 <a16:creationId xmlns:a16="http://schemas.microsoft.com/office/drawing/2014/main" id="{2632991A-5881-4C0B-BE55-86E6541DB583}"/>
               </a:ext>
               <a:ext uri="{C183D7F6-B498-43B3-948B-1728B52AA6E4}">
-                <adec:decorative xmlns:adec="http://schemas.microsoft.com/office/drawing/2017/decorative" val="1"/>
+                <adec:decorative xmlns:adec="http://schemas.microsoft.com/office/drawing/2017/decorative" xmlns="" val="1"/>
               </a:ext>
             </a:extLst>
           </p:cNvPr>
@@ -29163,7 +29390,7 @@
                 <a16:creationId xmlns:a16="http://schemas.microsoft.com/office/drawing/2014/main" id="{4FF107A9-A609-4BE3-AC8C-8A7ABC2E5C35}"/>
               </a:ext>
               <a:ext uri="{C183D7F6-B498-43B3-948B-1728B52AA6E4}">
-                <adec:decorative xmlns:adec="http://schemas.microsoft.com/office/drawing/2017/decorative" val="1"/>
+                <adec:decorative xmlns:adec="http://schemas.microsoft.com/office/drawing/2017/decorative" xmlns="" val="1"/>
               </a:ext>
             </a:extLst>
           </p:cNvPr>
@@ -29208,7 +29435,7 @@
                 <a16:creationId xmlns:a16="http://schemas.microsoft.com/office/drawing/2014/main" id="{65AB5407-0F8D-4F52-80FD-7B7BCB7DB59E}"/>
               </a:ext>
               <a:ext uri="{C183D7F6-B498-43B3-948B-1728B52AA6E4}">
-                <adec:decorative xmlns:adec="http://schemas.microsoft.com/office/drawing/2017/decorative" val="1"/>
+                <adec:decorative xmlns:adec="http://schemas.microsoft.com/office/drawing/2017/decorative" xmlns="" val="1"/>
               </a:ext>
             </a:extLst>
           </p:cNvPr>
@@ -29338,6 +29565,13 @@
   <p:clrMapOvr>
     <a:masterClrMapping/>
   </p:clrMapOvr>
+  <p:timing>
+    <p:tnLst>
+      <p:par>
+        <p:cTn id="1" dur="indefinite" restart="never" nodeType="tmRoot"/>
+      </p:par>
+    </p:tnLst>
+  </p:timing>
 </p:sld>
 </file>
 
@@ -29401,7 +29635,7 @@
                 <a16:creationId xmlns:a16="http://schemas.microsoft.com/office/drawing/2014/main" id="{4B0FA309-807F-4C17-98EF-A3BA7388E213}"/>
               </a:ext>
               <a:ext uri="{C183D7F6-B498-43B3-948B-1728B52AA6E4}">
-                <adec:decorative xmlns:adec="http://schemas.microsoft.com/office/drawing/2017/decorative" val="1"/>
+                <adec:decorative xmlns:adec="http://schemas.microsoft.com/office/drawing/2017/decorative" xmlns="" val="1"/>
               </a:ext>
             </a:extLst>
           </p:cNvPr>
@@ -29461,7 +29695,7 @@
                 <a16:creationId xmlns:a16="http://schemas.microsoft.com/office/drawing/2014/main" id="{2642A87B-CAE9-4F8F-B293-28388E45D9EE}"/>
               </a:ext>
               <a:ext uri="{C183D7F6-B498-43B3-948B-1728B52AA6E4}">
-                <adec:decorative xmlns:adec="http://schemas.microsoft.com/office/drawing/2017/decorative" val="1"/>
+                <adec:decorative xmlns:adec="http://schemas.microsoft.com/office/drawing/2017/decorative" xmlns="" val="1"/>
               </a:ext>
             </a:extLst>
           </p:cNvPr>
@@ -29507,7 +29741,7 @@
                 <a16:creationId xmlns:a16="http://schemas.microsoft.com/office/drawing/2014/main" id="{C8FA1749-B91A-40E7-AD01-0B9C9C6AF74E}"/>
               </a:ext>
               <a:ext uri="{C183D7F6-B498-43B3-948B-1728B52AA6E4}">
-                <adec:decorative xmlns:adec="http://schemas.microsoft.com/office/drawing/2017/decorative" val="1"/>
+                <adec:decorative xmlns:adec="http://schemas.microsoft.com/office/drawing/2017/decorative" xmlns="" val="1"/>
               </a:ext>
             </a:extLst>
           </p:cNvPr>
@@ -29570,7 +29804,7 @@
                 <a16:creationId xmlns:a16="http://schemas.microsoft.com/office/drawing/2014/main" id="{3B7A934F-FFF7-4353-83D3-4EF66E93EEF8}"/>
               </a:ext>
               <a:ext uri="{C183D7F6-B498-43B3-948B-1728B52AA6E4}">
-                <adec:decorative xmlns:adec="http://schemas.microsoft.com/office/drawing/2017/decorative" val="1"/>
+                <adec:decorative xmlns:adec="http://schemas.microsoft.com/office/drawing/2017/decorative" xmlns="" val="1"/>
               </a:ext>
             </a:extLst>
           </p:cNvPr>
@@ -29615,7 +29849,7 @@
                 <a16:creationId xmlns:a16="http://schemas.microsoft.com/office/drawing/2014/main" id="{700676C8-6DE8-47DD-9A23-D42063A12E10}"/>
               </a:ext>
               <a:ext uri="{C183D7F6-B498-43B3-948B-1728B52AA6E4}">
-                <adec:decorative xmlns:adec="http://schemas.microsoft.com/office/drawing/2017/decorative" val="1"/>
+                <adec:decorative xmlns:adec="http://schemas.microsoft.com/office/drawing/2017/decorative" xmlns="" val="1"/>
               </a:ext>
             </a:extLst>
           </p:cNvPr>
@@ -29710,10 +29944,13 @@
       </p:sp>
       <p:pic>
         <p:nvPicPr>
-          <p:cNvPr id="5" name="Content Placeholder 4" descr="Graphical user interface, text, application, email&#10;&#10;Description automatically generated">
+          <p:cNvPr id="11" name="Content Placeholder 4" descr="A computer screen shot&#10;&#10;Description automatically generated with low confidence">
             <a:extLst>
               <a:ext uri="{FF2B5EF4-FFF2-40B4-BE49-F238E27FC236}">
-                <a16:creationId xmlns:a16="http://schemas.microsoft.com/office/drawing/2014/main" id="{FD76CECF-01BA-41A7-879C-D3DBDE834038}"/>
+                <a16:creationId xmlns:a16="http://schemas.microsoft.com/office/drawing/2014/main" id="{98F369AA-B15E-428E-8AE3-651DB9D9D825}"/>
+              </a:ext>
+              <a:ext uri="{C183D7F6-B498-43B3-948B-1728B52AA6E4}">
+                <adec:decorative xmlns:adec="http://schemas.microsoft.com/office/drawing/2017/decorative" xmlns="" val="0"/>
               </a:ext>
             </a:extLst>
           </p:cNvPr>
@@ -29738,8 +29975,8 @@
         </p:blipFill>
         <p:spPr>
           <a:xfrm>
-            <a:off x="5189493" y="324466"/>
-            <a:ext cx="6756701" cy="6091082"/>
+            <a:off x="5189493" y="457200"/>
+            <a:ext cx="6743427" cy="5977890"/>
           </a:xfrm>
         </p:spPr>
       </p:pic>
@@ -29753,6 +29990,13 @@
   <p:clrMapOvr>
     <a:masterClrMapping/>
   </p:clrMapOvr>
+  <p:timing>
+    <p:tnLst>
+      <p:par>
+        <p:cTn id="1" dur="indefinite" restart="never" nodeType="tmRoot"/>
+      </p:par>
+    </p:tnLst>
+  </p:timing>
 </p:sld>
 </file>
 
@@ -29816,7 +30060,7 @@
                 <a16:creationId xmlns:a16="http://schemas.microsoft.com/office/drawing/2014/main" id="{4B0FA309-807F-4C17-98EF-A3BA7388E213}"/>
               </a:ext>
               <a:ext uri="{C183D7F6-B498-43B3-948B-1728B52AA6E4}">
-                <adec:decorative xmlns:adec="http://schemas.microsoft.com/office/drawing/2017/decorative" val="1"/>
+                <adec:decorative xmlns:adec="http://schemas.microsoft.com/office/drawing/2017/decorative" xmlns="" val="1"/>
               </a:ext>
             </a:extLst>
           </p:cNvPr>
@@ -29876,7 +30120,7 @@
                 <a16:creationId xmlns:a16="http://schemas.microsoft.com/office/drawing/2014/main" id="{2642A87B-CAE9-4F8F-B293-28388E45D9EE}"/>
               </a:ext>
               <a:ext uri="{C183D7F6-B498-43B3-948B-1728B52AA6E4}">
-                <adec:decorative xmlns:adec="http://schemas.microsoft.com/office/drawing/2017/decorative" val="1"/>
+                <adec:decorative xmlns:adec="http://schemas.microsoft.com/office/drawing/2017/decorative" xmlns="" val="1"/>
               </a:ext>
             </a:extLst>
           </p:cNvPr>
@@ -29922,7 +30166,7 @@
                 <a16:creationId xmlns:a16="http://schemas.microsoft.com/office/drawing/2014/main" id="{C8FA1749-B91A-40E7-AD01-0B9C9C6AF74E}"/>
               </a:ext>
               <a:ext uri="{C183D7F6-B498-43B3-948B-1728B52AA6E4}">
-                <adec:decorative xmlns:adec="http://schemas.microsoft.com/office/drawing/2017/decorative" val="1"/>
+                <adec:decorative xmlns:adec="http://schemas.microsoft.com/office/drawing/2017/decorative" xmlns="" val="1"/>
               </a:ext>
             </a:extLst>
           </p:cNvPr>
@@ -29985,7 +30229,7 @@
                 <a16:creationId xmlns:a16="http://schemas.microsoft.com/office/drawing/2014/main" id="{3B7A934F-FFF7-4353-83D3-4EF66E93EEF8}"/>
               </a:ext>
               <a:ext uri="{C183D7F6-B498-43B3-948B-1728B52AA6E4}">
-                <adec:decorative xmlns:adec="http://schemas.microsoft.com/office/drawing/2017/decorative" val="1"/>
+                <adec:decorative xmlns:adec="http://schemas.microsoft.com/office/drawing/2017/decorative" xmlns="" val="1"/>
               </a:ext>
             </a:extLst>
           </p:cNvPr>
@@ -30030,7 +30274,7 @@
                 <a16:creationId xmlns:a16="http://schemas.microsoft.com/office/drawing/2014/main" id="{700676C8-6DE8-47DD-9A23-D42063A12E10}"/>
               </a:ext>
               <a:ext uri="{C183D7F6-B498-43B3-948B-1728B52AA6E4}">
-                <adec:decorative xmlns:adec="http://schemas.microsoft.com/office/drawing/2017/decorative" val="1"/>
+                <adec:decorative xmlns:adec="http://schemas.microsoft.com/office/drawing/2017/decorative" xmlns="" val="1"/>
               </a:ext>
             </a:extLst>
           </p:cNvPr>
@@ -30168,6 +30412,13 @@
   <p:clrMapOvr>
     <a:masterClrMapping/>
   </p:clrMapOvr>
+  <p:timing>
+    <p:tnLst>
+      <p:par>
+        <p:cTn id="1" dur="indefinite" restart="never" nodeType="tmRoot"/>
+      </p:par>
+    </p:tnLst>
+  </p:timing>
 </p:sld>
 </file>
 
@@ -30231,7 +30482,7 @@
                 <a16:creationId xmlns:a16="http://schemas.microsoft.com/office/drawing/2014/main" id="{4B0FA309-807F-4C17-98EF-A3BA7388E213}"/>
               </a:ext>
               <a:ext uri="{C183D7F6-B498-43B3-948B-1728B52AA6E4}">
-                <adec:decorative xmlns:adec="http://schemas.microsoft.com/office/drawing/2017/decorative" val="1"/>
+                <adec:decorative xmlns:adec="http://schemas.microsoft.com/office/drawing/2017/decorative" xmlns="" val="1"/>
               </a:ext>
             </a:extLst>
           </p:cNvPr>
@@ -30291,7 +30542,7 @@
                 <a16:creationId xmlns:a16="http://schemas.microsoft.com/office/drawing/2014/main" id="{2642A87B-CAE9-4F8F-B293-28388E45D9EE}"/>
               </a:ext>
               <a:ext uri="{C183D7F6-B498-43B3-948B-1728B52AA6E4}">
-                <adec:decorative xmlns:adec="http://schemas.microsoft.com/office/drawing/2017/decorative" val="1"/>
+                <adec:decorative xmlns:adec="http://schemas.microsoft.com/office/drawing/2017/decorative" xmlns="" val="1"/>
               </a:ext>
             </a:extLst>
           </p:cNvPr>
@@ -30337,7 +30588,7 @@
                 <a16:creationId xmlns:a16="http://schemas.microsoft.com/office/drawing/2014/main" id="{C8FA1749-B91A-40E7-AD01-0B9C9C6AF74E}"/>
               </a:ext>
               <a:ext uri="{C183D7F6-B498-43B3-948B-1728B52AA6E4}">
-                <adec:decorative xmlns:adec="http://schemas.microsoft.com/office/drawing/2017/decorative" val="1"/>
+                <adec:decorative xmlns:adec="http://schemas.microsoft.com/office/drawing/2017/decorative" xmlns="" val="1"/>
               </a:ext>
             </a:extLst>
           </p:cNvPr>
@@ -30400,7 +30651,7 @@
                 <a16:creationId xmlns:a16="http://schemas.microsoft.com/office/drawing/2014/main" id="{3B7A934F-FFF7-4353-83D3-4EF66E93EEF8}"/>
               </a:ext>
               <a:ext uri="{C183D7F6-B498-43B3-948B-1728B52AA6E4}">
-                <adec:decorative xmlns:adec="http://schemas.microsoft.com/office/drawing/2017/decorative" val="1"/>
+                <adec:decorative xmlns:adec="http://schemas.microsoft.com/office/drawing/2017/decorative" xmlns="" val="1"/>
               </a:ext>
             </a:extLst>
           </p:cNvPr>
@@ -30445,7 +30696,7 @@
                 <a16:creationId xmlns:a16="http://schemas.microsoft.com/office/drawing/2014/main" id="{700676C8-6DE8-47DD-9A23-D42063A12E10}"/>
               </a:ext>
               <a:ext uri="{C183D7F6-B498-43B3-948B-1728B52AA6E4}">
-                <adec:decorative xmlns:adec="http://schemas.microsoft.com/office/drawing/2017/decorative" val="1"/>
+                <adec:decorative xmlns:adec="http://schemas.microsoft.com/office/drawing/2017/decorative" xmlns="" val="1"/>
               </a:ext>
             </a:extLst>
           </p:cNvPr>
@@ -30521,6 +30772,15 @@
           <a:lstStyle/>
           <a:p>
             <a:pPr algn="ctr"/>
+            <a:r>
+              <a:rPr lang="en-US" sz="2400" b="0" i="0" dirty="0">
+                <a:solidFill>
+                  <a:srgbClr val="FFFFFF"/>
+                </a:solidFill>
+                <a:effectLst/>
+              </a:rPr>
+              <a:t/>
+            </a:r>
             <a:br>
               <a:rPr lang="en-US" sz="2400" b="0" i="0" dirty="0">
                 <a:solidFill>
@@ -30537,6 +30797,16 @@
                 <a:effectLst/>
               </a:rPr>
               <a:t>Conclusion</a:t>
+            </a:r>
+            <a:r>
+              <a:rPr lang="en-US" sz="4400" b="0" i="0" dirty="0">
+                <a:solidFill>
+                  <a:srgbClr val="FFFFFF"/>
+                </a:solidFill>
+                <a:effectLst/>
+                <a:latin typeface="Segoe UI" panose="020B0502040204020203" pitchFamily="34" charset="0"/>
+              </a:rPr>
+              <a:t/>
             </a:r>
             <a:br>
               <a:rPr lang="en-US" sz="4400" b="0" i="0" dirty="0">
@@ -30634,6 +30904,13 @@
   <p:clrMapOvr>
     <a:masterClrMapping/>
   </p:clrMapOvr>
+  <p:timing>
+    <p:tnLst>
+      <p:par>
+        <p:cTn id="1" dur="indefinite" restart="never" nodeType="tmRoot"/>
+      </p:par>
+    </p:tnLst>
+  </p:timing>
 </p:sld>
 </file>
 
@@ -30697,7 +30974,7 @@
                 <a16:creationId xmlns:a16="http://schemas.microsoft.com/office/drawing/2014/main" id="{4B0FA309-807F-4C17-98EF-A3BA7388E213}"/>
               </a:ext>
               <a:ext uri="{C183D7F6-B498-43B3-948B-1728B52AA6E4}">
-                <adec:decorative xmlns:adec="http://schemas.microsoft.com/office/drawing/2017/decorative" val="1"/>
+                <adec:decorative xmlns:adec="http://schemas.microsoft.com/office/drawing/2017/decorative" xmlns="" val="1"/>
               </a:ext>
             </a:extLst>
           </p:cNvPr>
@@ -30757,7 +31034,7 @@
                 <a16:creationId xmlns:a16="http://schemas.microsoft.com/office/drawing/2014/main" id="{2642A87B-CAE9-4F8F-B293-28388E45D9EE}"/>
               </a:ext>
               <a:ext uri="{C183D7F6-B498-43B3-948B-1728B52AA6E4}">
-                <adec:decorative xmlns:adec="http://schemas.microsoft.com/office/drawing/2017/decorative" val="1"/>
+                <adec:decorative xmlns:adec="http://schemas.microsoft.com/office/drawing/2017/decorative" xmlns="" val="1"/>
               </a:ext>
             </a:extLst>
           </p:cNvPr>
@@ -30803,7 +31080,7 @@
                 <a16:creationId xmlns:a16="http://schemas.microsoft.com/office/drawing/2014/main" id="{C8FA1749-B91A-40E7-AD01-0B9C9C6AF74E}"/>
               </a:ext>
               <a:ext uri="{C183D7F6-B498-43B3-948B-1728B52AA6E4}">
-                <adec:decorative xmlns:adec="http://schemas.microsoft.com/office/drawing/2017/decorative" val="1"/>
+                <adec:decorative xmlns:adec="http://schemas.microsoft.com/office/drawing/2017/decorative" xmlns="" val="1"/>
               </a:ext>
             </a:extLst>
           </p:cNvPr>
@@ -30866,7 +31143,7 @@
                 <a16:creationId xmlns:a16="http://schemas.microsoft.com/office/drawing/2014/main" id="{3B7A934F-FFF7-4353-83D3-4EF66E93EEF8}"/>
               </a:ext>
               <a:ext uri="{C183D7F6-B498-43B3-948B-1728B52AA6E4}">
-                <adec:decorative xmlns:adec="http://schemas.microsoft.com/office/drawing/2017/decorative" val="1"/>
+                <adec:decorative xmlns:adec="http://schemas.microsoft.com/office/drawing/2017/decorative" xmlns="" val="1"/>
               </a:ext>
             </a:extLst>
           </p:cNvPr>
@@ -30911,7 +31188,7 @@
                 <a16:creationId xmlns:a16="http://schemas.microsoft.com/office/drawing/2014/main" id="{700676C8-6DE8-47DD-9A23-D42063A12E10}"/>
               </a:ext>
               <a:ext uri="{C183D7F6-B498-43B3-948B-1728B52AA6E4}">
-                <adec:decorative xmlns:adec="http://schemas.microsoft.com/office/drawing/2017/decorative" val="1"/>
+                <adec:decorative xmlns:adec="http://schemas.microsoft.com/office/drawing/2017/decorative" xmlns="" val="1"/>
               </a:ext>
             </a:extLst>
           </p:cNvPr>
@@ -31069,6 +31346,13 @@
   <p:clrMapOvr>
     <a:masterClrMapping/>
   </p:clrMapOvr>
+  <p:timing>
+    <p:tnLst>
+      <p:par>
+        <p:cTn id="1" dur="indefinite" restart="never" nodeType="tmRoot"/>
+      </p:par>
+    </p:tnLst>
+  </p:timing>
 </p:sld>
 </file>
 
@@ -31132,7 +31416,7 @@
                 <a16:creationId xmlns:a16="http://schemas.microsoft.com/office/drawing/2014/main" id="{57D13521-EAD4-4B23-AE18-3B70AAE67207}"/>
               </a:ext>
               <a:ext uri="{C183D7F6-B498-43B3-948B-1728B52AA6E4}">
-                <adec:decorative xmlns:adec="http://schemas.microsoft.com/office/drawing/2017/decorative" val="1"/>
+                <adec:decorative xmlns:adec="http://schemas.microsoft.com/office/drawing/2017/decorative" xmlns="" val="1"/>
               </a:ext>
             </a:extLst>
           </p:cNvPr>
@@ -31192,7 +31476,7 @@
                 <a16:creationId xmlns:a16="http://schemas.microsoft.com/office/drawing/2014/main" id="{A2EAC6A1-B9AD-4F52-8BFC-D974236C5213}"/>
               </a:ext>
               <a:ext uri="{C183D7F6-B498-43B3-948B-1728B52AA6E4}">
-                <adec:decorative xmlns:adec="http://schemas.microsoft.com/office/drawing/2017/decorative" val="1"/>
+                <adec:decorative xmlns:adec="http://schemas.microsoft.com/office/drawing/2017/decorative" xmlns="" val="1"/>
               </a:ext>
             </a:extLst>
           </p:cNvPr>
@@ -31238,7 +31522,7 @@
                 <a16:creationId xmlns:a16="http://schemas.microsoft.com/office/drawing/2014/main" id="{2632991A-5881-4C0B-BE55-86E6541DB583}"/>
               </a:ext>
               <a:ext uri="{C183D7F6-B498-43B3-948B-1728B52AA6E4}">
-                <adec:decorative xmlns:adec="http://schemas.microsoft.com/office/drawing/2017/decorative" val="1"/>
+                <adec:decorative xmlns:adec="http://schemas.microsoft.com/office/drawing/2017/decorative" xmlns="" val="1"/>
               </a:ext>
             </a:extLst>
           </p:cNvPr>
@@ -31298,7 +31582,7 @@
                 <a16:creationId xmlns:a16="http://schemas.microsoft.com/office/drawing/2014/main" id="{4FF107A9-A609-4BE3-AC8C-8A7ABC2E5C35}"/>
               </a:ext>
               <a:ext uri="{C183D7F6-B498-43B3-948B-1728B52AA6E4}">
-                <adec:decorative xmlns:adec="http://schemas.microsoft.com/office/drawing/2017/decorative" val="1"/>
+                <adec:decorative xmlns:adec="http://schemas.microsoft.com/office/drawing/2017/decorative" xmlns="" val="1"/>
               </a:ext>
             </a:extLst>
           </p:cNvPr>
@@ -31343,7 +31627,7 @@
                 <a16:creationId xmlns:a16="http://schemas.microsoft.com/office/drawing/2014/main" id="{65AB5407-0F8D-4F52-80FD-7B7BCB7DB59E}"/>
               </a:ext>
               <a:ext uri="{C183D7F6-B498-43B3-948B-1728B52AA6E4}">
-                <adec:decorative xmlns:adec="http://schemas.microsoft.com/office/drawing/2017/decorative" val="1"/>
+                <adec:decorative xmlns:adec="http://schemas.microsoft.com/office/drawing/2017/decorative" xmlns="" val="1"/>
               </a:ext>
             </a:extLst>
           </p:cNvPr>
@@ -31470,6 +31754,13 @@
   <p:clrMapOvr>
     <a:masterClrMapping/>
   </p:clrMapOvr>
+  <p:timing>
+    <p:tnLst>
+      <p:par>
+        <p:cTn id="1" dur="indefinite" restart="never" nodeType="tmRoot"/>
+      </p:par>
+    </p:tnLst>
+  </p:timing>
 </p:sld>
 </file>
 
@@ -31533,7 +31824,7 @@
                 <a16:creationId xmlns:a16="http://schemas.microsoft.com/office/drawing/2014/main" id="{8DCA3673-CDE4-40C5-9FA8-F89874CFBA73}"/>
               </a:ext>
               <a:ext uri="{C183D7F6-B498-43B3-948B-1728B52AA6E4}">
-                <adec:decorative xmlns:adec="http://schemas.microsoft.com/office/drawing/2017/decorative" val="1"/>
+                <adec:decorative xmlns:adec="http://schemas.microsoft.com/office/drawing/2017/decorative" xmlns="" val="1"/>
               </a:ext>
             </a:extLst>
           </p:cNvPr>
@@ -31590,7 +31881,7 @@
                 <a16:creationId xmlns:a16="http://schemas.microsoft.com/office/drawing/2014/main" id="{95756E8F-499C-4533-BBE8-309C3E8D985C}"/>
               </a:ext>
               <a:ext uri="{C183D7F6-B498-43B3-948B-1728B52AA6E4}">
-                <adec:decorative xmlns:adec="http://schemas.microsoft.com/office/drawing/2017/decorative" val="1"/>
+                <adec:decorative xmlns:adec="http://schemas.microsoft.com/office/drawing/2017/decorative" xmlns="" val="1"/>
               </a:ext>
             </a:extLst>
           </p:cNvPr>
@@ -31636,7 +31927,7 @@
                 <a16:creationId xmlns:a16="http://schemas.microsoft.com/office/drawing/2014/main" id="{0FFFD040-32A9-4D2B-86CA-599D030A4161}"/>
               </a:ext>
               <a:ext uri="{C183D7F6-B498-43B3-948B-1728B52AA6E4}">
-                <adec:decorative xmlns:adec="http://schemas.microsoft.com/office/drawing/2017/decorative" val="1"/>
+                <adec:decorative xmlns:adec="http://schemas.microsoft.com/office/drawing/2017/decorative" xmlns="" val="1"/>
               </a:ext>
             </a:extLst>
           </p:cNvPr>
@@ -31696,7 +31987,7 @@
                 <a16:creationId xmlns:a16="http://schemas.microsoft.com/office/drawing/2014/main" id="{863205CA-B7FF-4C25-A4C8-3BBBCE19D950}"/>
               </a:ext>
               <a:ext uri="{C183D7F6-B498-43B3-948B-1728B52AA6E4}">
-                <adec:decorative xmlns:adec="http://schemas.microsoft.com/office/drawing/2017/decorative" val="1"/>
+                <adec:decorative xmlns:adec="http://schemas.microsoft.com/office/drawing/2017/decorative" xmlns="" val="1"/>
               </a:ext>
             </a:extLst>
           </p:cNvPr>
@@ -31780,6 +32071,13 @@
               </a:rPr>
               <a:t>Vulnerability assessment  Security scanning process</a:t>
             </a:r>
+            <a:r>
+              <a:rPr lang="en-US" sz="2400" b="0" i="0" dirty="0">
+                <a:effectLst/>
+                <a:latin typeface="Inter"/>
+              </a:rPr>
+              <a:t/>
+            </a:r>
             <a:br>
               <a:rPr lang="en-US" sz="2400" b="0" i="0" dirty="0">
                 <a:effectLst/>
@@ -31798,7 +32096,7 @@
                 <a16:creationId xmlns:a16="http://schemas.microsoft.com/office/drawing/2014/main" id="{306E3F32-3C1A-4B6E-AF26-8A15A788560F}"/>
               </a:ext>
               <a:ext uri="{C183D7F6-B498-43B3-948B-1728B52AA6E4}">
-                <adec:decorative xmlns:adec="http://schemas.microsoft.com/office/drawing/2017/decorative" val="1"/>
+                <adec:decorative xmlns:adec="http://schemas.microsoft.com/office/drawing/2017/decorative" xmlns="" val="1"/>
               </a:ext>
             </a:extLst>
           </p:cNvPr>
@@ -31934,6 +32232,13 @@
   <p:clrMapOvr>
     <a:masterClrMapping/>
   </p:clrMapOvr>
+  <p:timing>
+    <p:tnLst>
+      <p:par>
+        <p:cTn id="1" dur="indefinite" restart="never" nodeType="tmRoot"/>
+      </p:par>
+    </p:tnLst>
+  </p:timing>
 </p:sld>
 </file>
 
@@ -31997,7 +32302,7 @@
                 <a16:creationId xmlns:a16="http://schemas.microsoft.com/office/drawing/2014/main" id="{57D13521-EAD4-4B23-AE18-3B70AAE67207}"/>
               </a:ext>
               <a:ext uri="{C183D7F6-B498-43B3-948B-1728B52AA6E4}">
-                <adec:decorative xmlns:adec="http://schemas.microsoft.com/office/drawing/2017/decorative" val="1"/>
+                <adec:decorative xmlns:adec="http://schemas.microsoft.com/office/drawing/2017/decorative" xmlns="" val="1"/>
               </a:ext>
             </a:extLst>
           </p:cNvPr>
@@ -32057,7 +32362,7 @@
                 <a16:creationId xmlns:a16="http://schemas.microsoft.com/office/drawing/2014/main" id="{A2EAC6A1-B9AD-4F52-8BFC-D974236C5213}"/>
               </a:ext>
               <a:ext uri="{C183D7F6-B498-43B3-948B-1728B52AA6E4}">
-                <adec:decorative xmlns:adec="http://schemas.microsoft.com/office/drawing/2017/decorative" val="1"/>
+                <adec:decorative xmlns:adec="http://schemas.microsoft.com/office/drawing/2017/decorative" xmlns="" val="1"/>
               </a:ext>
             </a:extLst>
           </p:cNvPr>
@@ -32103,7 +32408,7 @@
                 <a16:creationId xmlns:a16="http://schemas.microsoft.com/office/drawing/2014/main" id="{2632991A-5881-4C0B-BE55-86E6541DB583}"/>
               </a:ext>
               <a:ext uri="{C183D7F6-B498-43B3-948B-1728B52AA6E4}">
-                <adec:decorative xmlns:adec="http://schemas.microsoft.com/office/drawing/2017/decorative" val="1"/>
+                <adec:decorative xmlns:adec="http://schemas.microsoft.com/office/drawing/2017/decorative" xmlns="" val="1"/>
               </a:ext>
             </a:extLst>
           </p:cNvPr>
@@ -32163,7 +32468,7 @@
                 <a16:creationId xmlns:a16="http://schemas.microsoft.com/office/drawing/2014/main" id="{4FF107A9-A609-4BE3-AC8C-8A7ABC2E5C35}"/>
               </a:ext>
               <a:ext uri="{C183D7F6-B498-43B3-948B-1728B52AA6E4}">
-                <adec:decorative xmlns:adec="http://schemas.microsoft.com/office/drawing/2017/decorative" val="1"/>
+                <adec:decorative xmlns:adec="http://schemas.microsoft.com/office/drawing/2017/decorative" xmlns="" val="1"/>
               </a:ext>
             </a:extLst>
           </p:cNvPr>
@@ -32208,7 +32513,7 @@
                 <a16:creationId xmlns:a16="http://schemas.microsoft.com/office/drawing/2014/main" id="{65AB5407-0F8D-4F52-80FD-7B7BCB7DB59E}"/>
               </a:ext>
               <a:ext uri="{C183D7F6-B498-43B3-948B-1728B52AA6E4}">
-                <adec:decorative xmlns:adec="http://schemas.microsoft.com/office/drawing/2017/decorative" val="1"/>
+                <adec:decorative xmlns:adec="http://schemas.microsoft.com/office/drawing/2017/decorative" xmlns="" val="1"/>
               </a:ext>
             </a:extLst>
           </p:cNvPr>
@@ -32338,6 +32643,13 @@
   <p:clrMapOvr>
     <a:masterClrMapping/>
   </p:clrMapOvr>
+  <p:timing>
+    <p:tnLst>
+      <p:par>
+        <p:cTn id="1" dur="indefinite" restart="never" nodeType="tmRoot"/>
+      </p:par>
+    </p:tnLst>
+  </p:timing>
 </p:sld>
 </file>
 
@@ -32401,7 +32713,7 @@
                 <a16:creationId xmlns:a16="http://schemas.microsoft.com/office/drawing/2014/main" id="{57D13521-EAD4-4B23-AE18-3B70AAE67207}"/>
               </a:ext>
               <a:ext uri="{C183D7F6-B498-43B3-948B-1728B52AA6E4}">
-                <adec:decorative xmlns:adec="http://schemas.microsoft.com/office/drawing/2017/decorative" val="1"/>
+                <adec:decorative xmlns:adec="http://schemas.microsoft.com/office/drawing/2017/decorative" xmlns="" val="1"/>
               </a:ext>
             </a:extLst>
           </p:cNvPr>
@@ -32461,7 +32773,7 @@
                 <a16:creationId xmlns:a16="http://schemas.microsoft.com/office/drawing/2014/main" id="{A2EAC6A1-B9AD-4F52-8BFC-D974236C5213}"/>
               </a:ext>
               <a:ext uri="{C183D7F6-B498-43B3-948B-1728B52AA6E4}">
-                <adec:decorative xmlns:adec="http://schemas.microsoft.com/office/drawing/2017/decorative" val="1"/>
+                <adec:decorative xmlns:adec="http://schemas.microsoft.com/office/drawing/2017/decorative" xmlns="" val="1"/>
               </a:ext>
             </a:extLst>
           </p:cNvPr>
@@ -32507,7 +32819,7 @@
                 <a16:creationId xmlns:a16="http://schemas.microsoft.com/office/drawing/2014/main" id="{2632991A-5881-4C0B-BE55-86E6541DB583}"/>
               </a:ext>
               <a:ext uri="{C183D7F6-B498-43B3-948B-1728B52AA6E4}">
-                <adec:decorative xmlns:adec="http://schemas.microsoft.com/office/drawing/2017/decorative" val="1"/>
+                <adec:decorative xmlns:adec="http://schemas.microsoft.com/office/drawing/2017/decorative" xmlns="" val="1"/>
               </a:ext>
             </a:extLst>
           </p:cNvPr>
@@ -32567,7 +32879,7 @@
                 <a16:creationId xmlns:a16="http://schemas.microsoft.com/office/drawing/2014/main" id="{4FF107A9-A609-4BE3-AC8C-8A7ABC2E5C35}"/>
               </a:ext>
               <a:ext uri="{C183D7F6-B498-43B3-948B-1728B52AA6E4}">
-                <adec:decorative xmlns:adec="http://schemas.microsoft.com/office/drawing/2017/decorative" val="1"/>
+                <adec:decorative xmlns:adec="http://schemas.microsoft.com/office/drawing/2017/decorative" xmlns="" val="1"/>
               </a:ext>
             </a:extLst>
           </p:cNvPr>
@@ -32612,7 +32924,7 @@
                 <a16:creationId xmlns:a16="http://schemas.microsoft.com/office/drawing/2014/main" id="{65AB5407-0F8D-4F52-80FD-7B7BCB7DB59E}"/>
               </a:ext>
               <a:ext uri="{C183D7F6-B498-43B3-948B-1728B52AA6E4}">
-                <adec:decorative xmlns:adec="http://schemas.microsoft.com/office/drawing/2017/decorative" val="1"/>
+                <adec:decorative xmlns:adec="http://schemas.microsoft.com/office/drawing/2017/decorative" xmlns="" val="1"/>
               </a:ext>
             </a:extLst>
           </p:cNvPr>
@@ -32742,6 +33054,13 @@
   <p:clrMapOvr>
     <a:masterClrMapping/>
   </p:clrMapOvr>
+  <p:timing>
+    <p:tnLst>
+      <p:par>
+        <p:cTn id="1" dur="indefinite" restart="never" nodeType="tmRoot"/>
+      </p:par>
+    </p:tnLst>
+  </p:timing>
 </p:sld>
 </file>
 
@@ -32805,7 +33124,7 @@
                 <a16:creationId xmlns:a16="http://schemas.microsoft.com/office/drawing/2014/main" id="{57D13521-EAD4-4B23-AE18-3B70AAE67207}"/>
               </a:ext>
               <a:ext uri="{C183D7F6-B498-43B3-948B-1728B52AA6E4}">
-                <adec:decorative xmlns:adec="http://schemas.microsoft.com/office/drawing/2017/decorative" val="1"/>
+                <adec:decorative xmlns:adec="http://schemas.microsoft.com/office/drawing/2017/decorative" xmlns="" val="1"/>
               </a:ext>
             </a:extLst>
           </p:cNvPr>
@@ -32865,7 +33184,7 @@
                 <a16:creationId xmlns:a16="http://schemas.microsoft.com/office/drawing/2014/main" id="{A2EAC6A1-B9AD-4F52-8BFC-D974236C5213}"/>
               </a:ext>
               <a:ext uri="{C183D7F6-B498-43B3-948B-1728B52AA6E4}">
-                <adec:decorative xmlns:adec="http://schemas.microsoft.com/office/drawing/2017/decorative" val="1"/>
+                <adec:decorative xmlns:adec="http://schemas.microsoft.com/office/drawing/2017/decorative" xmlns="" val="1"/>
               </a:ext>
             </a:extLst>
           </p:cNvPr>
@@ -32911,7 +33230,7 @@
                 <a16:creationId xmlns:a16="http://schemas.microsoft.com/office/drawing/2014/main" id="{2632991A-5881-4C0B-BE55-86E6541DB583}"/>
               </a:ext>
               <a:ext uri="{C183D7F6-B498-43B3-948B-1728B52AA6E4}">
-                <adec:decorative xmlns:adec="http://schemas.microsoft.com/office/drawing/2017/decorative" val="1"/>
+                <adec:decorative xmlns:adec="http://schemas.microsoft.com/office/drawing/2017/decorative" xmlns="" val="1"/>
               </a:ext>
             </a:extLst>
           </p:cNvPr>
@@ -32971,7 +33290,7 @@
                 <a16:creationId xmlns:a16="http://schemas.microsoft.com/office/drawing/2014/main" id="{4FF107A9-A609-4BE3-AC8C-8A7ABC2E5C35}"/>
               </a:ext>
               <a:ext uri="{C183D7F6-B498-43B3-948B-1728B52AA6E4}">
-                <adec:decorative xmlns:adec="http://schemas.microsoft.com/office/drawing/2017/decorative" val="1"/>
+                <adec:decorative xmlns:adec="http://schemas.microsoft.com/office/drawing/2017/decorative" xmlns="" val="1"/>
               </a:ext>
             </a:extLst>
           </p:cNvPr>
@@ -33016,7 +33335,7 @@
                 <a16:creationId xmlns:a16="http://schemas.microsoft.com/office/drawing/2014/main" id="{65AB5407-0F8D-4F52-80FD-7B7BCB7DB59E}"/>
               </a:ext>
               <a:ext uri="{C183D7F6-B498-43B3-948B-1728B52AA6E4}">
-                <adec:decorative xmlns:adec="http://schemas.microsoft.com/office/drawing/2017/decorative" val="1"/>
+                <adec:decorative xmlns:adec="http://schemas.microsoft.com/office/drawing/2017/decorative" xmlns="" val="1"/>
               </a:ext>
             </a:extLst>
           </p:cNvPr>
@@ -33121,7 +33440,7 @@
             <p:ph idx="1"/>
             <p:extLst>
               <p:ext uri="{D42A27DB-BD31-4B8C-83A1-F6EECF244321}">
-                <p14:modId xmlns:p14="http://schemas.microsoft.com/office/powerpoint/2010/main" val="3005502558"/>
+                <p14:modId xmlns:p14="http://schemas.microsoft.com/office/powerpoint/2010/main" val="864025133"/>
               </p:ext>
             </p:extLst>
           </p:nvPr>
@@ -33146,6 +33465,13 @@
   <p:clrMapOvr>
     <a:masterClrMapping/>
   </p:clrMapOvr>
+  <p:timing>
+    <p:tnLst>
+      <p:par>
+        <p:cTn id="1" dur="indefinite" restart="never" nodeType="tmRoot"/>
+      </p:par>
+    </p:tnLst>
+  </p:timing>
 </p:sld>
 </file>
 
@@ -33209,7 +33535,7 @@
                 <a16:creationId xmlns:a16="http://schemas.microsoft.com/office/drawing/2014/main" id="{4B0FA309-807F-4C17-98EF-A3BA7388E213}"/>
               </a:ext>
               <a:ext uri="{C183D7F6-B498-43B3-948B-1728B52AA6E4}">
-                <adec:decorative xmlns:adec="http://schemas.microsoft.com/office/drawing/2017/decorative" val="1"/>
+                <adec:decorative xmlns:adec="http://schemas.microsoft.com/office/drawing/2017/decorative" xmlns="" val="1"/>
               </a:ext>
             </a:extLst>
           </p:cNvPr>
@@ -33269,7 +33595,7 @@
                 <a16:creationId xmlns:a16="http://schemas.microsoft.com/office/drawing/2014/main" id="{2642A87B-CAE9-4F8F-B293-28388E45D9EE}"/>
               </a:ext>
               <a:ext uri="{C183D7F6-B498-43B3-948B-1728B52AA6E4}">
-                <adec:decorative xmlns:adec="http://schemas.microsoft.com/office/drawing/2017/decorative" val="1"/>
+                <adec:decorative xmlns:adec="http://schemas.microsoft.com/office/drawing/2017/decorative" xmlns="" val="1"/>
               </a:ext>
             </a:extLst>
           </p:cNvPr>
@@ -33315,7 +33641,7 @@
                 <a16:creationId xmlns:a16="http://schemas.microsoft.com/office/drawing/2014/main" id="{C8FA1749-B91A-40E7-AD01-0B9C9C6AF74E}"/>
               </a:ext>
               <a:ext uri="{C183D7F6-B498-43B3-948B-1728B52AA6E4}">
-                <adec:decorative xmlns:adec="http://schemas.microsoft.com/office/drawing/2017/decorative" val="1"/>
+                <adec:decorative xmlns:adec="http://schemas.microsoft.com/office/drawing/2017/decorative" xmlns="" val="1"/>
               </a:ext>
             </a:extLst>
           </p:cNvPr>
@@ -33378,7 +33704,7 @@
                 <a16:creationId xmlns:a16="http://schemas.microsoft.com/office/drawing/2014/main" id="{3B7A934F-FFF7-4353-83D3-4EF66E93EEF8}"/>
               </a:ext>
               <a:ext uri="{C183D7F6-B498-43B3-948B-1728B52AA6E4}">
-                <adec:decorative xmlns:adec="http://schemas.microsoft.com/office/drawing/2017/decorative" val="1"/>
+                <adec:decorative xmlns:adec="http://schemas.microsoft.com/office/drawing/2017/decorative" xmlns="" val="1"/>
               </a:ext>
             </a:extLst>
           </p:cNvPr>
@@ -33423,7 +33749,7 @@
                 <a16:creationId xmlns:a16="http://schemas.microsoft.com/office/drawing/2014/main" id="{700676C8-6DE8-47DD-9A23-D42063A12E10}"/>
               </a:ext>
               <a:ext uri="{C183D7F6-B498-43B3-948B-1728B52AA6E4}">
-                <adec:decorative xmlns:adec="http://schemas.microsoft.com/office/drawing/2017/decorative" val="1"/>
+                <adec:decorative xmlns:adec="http://schemas.microsoft.com/office/drawing/2017/decorative" xmlns="" val="1"/>
               </a:ext>
             </a:extLst>
           </p:cNvPr>
@@ -33607,6 +33933,13 @@
   <p:clrMapOvr>
     <a:masterClrMapping/>
   </p:clrMapOvr>
+  <p:timing>
+    <p:tnLst>
+      <p:par>
+        <p:cTn id="1" dur="indefinite" restart="never" nodeType="tmRoot"/>
+      </p:par>
+    </p:tnLst>
+  </p:timing>
 </p:sld>
 </file>
 
@@ -33670,7 +34003,7 @@
                 <a16:creationId xmlns:a16="http://schemas.microsoft.com/office/drawing/2014/main" id="{4B0FA309-807F-4C17-98EF-A3BA7388E213}"/>
               </a:ext>
               <a:ext uri="{C183D7F6-B498-43B3-948B-1728B52AA6E4}">
-                <adec:decorative xmlns:adec="http://schemas.microsoft.com/office/drawing/2017/decorative" val="1"/>
+                <adec:decorative xmlns:adec="http://schemas.microsoft.com/office/drawing/2017/decorative" xmlns="" val="1"/>
               </a:ext>
             </a:extLst>
           </p:cNvPr>
@@ -33730,7 +34063,7 @@
                 <a16:creationId xmlns:a16="http://schemas.microsoft.com/office/drawing/2014/main" id="{2642A87B-CAE9-4F8F-B293-28388E45D9EE}"/>
               </a:ext>
               <a:ext uri="{C183D7F6-B498-43B3-948B-1728B52AA6E4}">
-                <adec:decorative xmlns:adec="http://schemas.microsoft.com/office/drawing/2017/decorative" val="1"/>
+                <adec:decorative xmlns:adec="http://schemas.microsoft.com/office/drawing/2017/decorative" xmlns="" val="1"/>
               </a:ext>
             </a:extLst>
           </p:cNvPr>
@@ -33776,7 +34109,7 @@
                 <a16:creationId xmlns:a16="http://schemas.microsoft.com/office/drawing/2014/main" id="{C8FA1749-B91A-40E7-AD01-0B9C9C6AF74E}"/>
               </a:ext>
               <a:ext uri="{C183D7F6-B498-43B3-948B-1728B52AA6E4}">
-                <adec:decorative xmlns:adec="http://schemas.microsoft.com/office/drawing/2017/decorative" val="1"/>
+                <adec:decorative xmlns:adec="http://schemas.microsoft.com/office/drawing/2017/decorative" xmlns="" val="1"/>
               </a:ext>
             </a:extLst>
           </p:cNvPr>
@@ -33839,7 +34172,7 @@
                 <a16:creationId xmlns:a16="http://schemas.microsoft.com/office/drawing/2014/main" id="{3B7A934F-FFF7-4353-83D3-4EF66E93EEF8}"/>
               </a:ext>
               <a:ext uri="{C183D7F6-B498-43B3-948B-1728B52AA6E4}">
-                <adec:decorative xmlns:adec="http://schemas.microsoft.com/office/drawing/2017/decorative" val="1"/>
+                <adec:decorative xmlns:adec="http://schemas.microsoft.com/office/drawing/2017/decorative" xmlns="" val="1"/>
               </a:ext>
             </a:extLst>
           </p:cNvPr>
@@ -33884,7 +34217,7 @@
                 <a16:creationId xmlns:a16="http://schemas.microsoft.com/office/drawing/2014/main" id="{700676C8-6DE8-47DD-9A23-D42063A12E10}"/>
               </a:ext>
               <a:ext uri="{C183D7F6-B498-43B3-948B-1728B52AA6E4}">
-                <adec:decorative xmlns:adec="http://schemas.microsoft.com/office/drawing/2017/decorative" val="1"/>
+                <adec:decorative xmlns:adec="http://schemas.microsoft.com/office/drawing/2017/decorative" xmlns="" val="1"/>
               </a:ext>
             </a:extLst>
           </p:cNvPr>
@@ -34050,6 +34383,13 @@
   <p:clrMapOvr>
     <a:masterClrMapping/>
   </p:clrMapOvr>
+  <p:timing>
+    <p:tnLst>
+      <p:par>
+        <p:cTn id="1" dur="indefinite" restart="never" nodeType="tmRoot"/>
+      </p:par>
+    </p:tnLst>
+  </p:timing>
 </p:sld>
 </file>
 
